--- a/Presentation.pptx
+++ b/Presentation.pptx
@@ -109,6 +109,11 @@
       </a:defRPr>
     </a:lvl9pPr>
   </p:defaultTextStyle>
+  <p:extLst>
+    <p:ext uri="{EFAFB233-063F-42B5-8137-9DF3F51BA10A}">
+      <p15:sldGuideLst xmlns:p15="http://schemas.microsoft.com/office/powerpoint/2012/main"/>
+    </p:ext>
+  </p:extLst>
 </p:presentation>
 </file>
 
@@ -3579,7 +3584,7 @@
           <a:noFill/>
           <a:extLst>
             <a:ext uri="{909E8E84-426E-40dd-AFC4-6F175D3DCCD1}">
-              <a14:hiddenFill xmlns:a14="http://schemas.microsoft.com/office/drawing/2010/main" xmlns="">
+              <a14:hiddenFill xmlns="" xmlns:a14="http://schemas.microsoft.com/office/drawing/2010/main">
                 <a:solidFill>
                   <a:srgbClr val="FFFFFF"/>
                 </a:solidFill>
@@ -3639,7 +3644,7 @@
             </a:ln>
             <a:extLst>
               <a:ext uri="{91240B29-F687-4f45-9708-019B960494DF}">
-                <a14:hiddenLine xmlns:a14="http://schemas.microsoft.com/office/drawing/2010/main" xmlns="" w="9525">
+                <a14:hiddenLine xmlns="" xmlns:a14="http://schemas.microsoft.com/office/drawing/2010/main" w="9525">
                   <a:solidFill>
                     <a:srgbClr val="000000"/>
                   </a:solidFill>
@@ -3729,7 +3734,7 @@
             </a:ln>
             <a:extLst>
               <a:ext uri="{91240B29-F687-4f45-9708-019B960494DF}">
-                <a14:hiddenLine xmlns:a14="http://schemas.microsoft.com/office/drawing/2010/main" xmlns="" w="9525">
+                <a14:hiddenLine xmlns="" xmlns:a14="http://schemas.microsoft.com/office/drawing/2010/main" w="9525">
                   <a:solidFill>
                     <a:srgbClr val="000000"/>
                   </a:solidFill>
@@ -3819,7 +3824,7 @@
             </a:ln>
             <a:extLst>
               <a:ext uri="{91240B29-F687-4f45-9708-019B960494DF}">
-                <a14:hiddenLine xmlns:a14="http://schemas.microsoft.com/office/drawing/2010/main" xmlns="" w="9525">
+                <a14:hiddenLine xmlns="" xmlns:a14="http://schemas.microsoft.com/office/drawing/2010/main" w="9525">
                   <a:solidFill>
                     <a:srgbClr val="000000"/>
                   </a:solidFill>
@@ -3853,7 +3858,7 @@
             </a:ln>
             <a:extLst>
               <a:ext uri="{91240B29-F687-4f45-9708-019B960494DF}">
-                <a14:hiddenLine xmlns:a14="http://schemas.microsoft.com/office/drawing/2010/main" xmlns="" w="9525">
+                <a14:hiddenLine xmlns="" xmlns:a14="http://schemas.microsoft.com/office/drawing/2010/main" w="9525">
                   <a:solidFill>
                     <a:srgbClr val="000000"/>
                   </a:solidFill>
@@ -3943,7 +3948,7 @@
             </a:ln>
             <a:extLst>
               <a:ext uri="{91240B29-F687-4f45-9708-019B960494DF}">
-                <a14:hiddenLine xmlns:a14="http://schemas.microsoft.com/office/drawing/2010/main" xmlns="" w="9525">
+                <a14:hiddenLine xmlns="" xmlns:a14="http://schemas.microsoft.com/office/drawing/2010/main" w="9525">
                   <a:solidFill>
                     <a:srgbClr val="000000"/>
                   </a:solidFill>
@@ -4005,7 +4010,7 @@
             </a:ln>
             <a:extLst>
               <a:ext uri="{91240B29-F687-4f45-9708-019B960494DF}">
-                <a14:hiddenLine xmlns:a14="http://schemas.microsoft.com/office/drawing/2010/main" xmlns="" w="9525">
+                <a14:hiddenLine xmlns="" xmlns:a14="http://schemas.microsoft.com/office/drawing/2010/main" w="9525">
                   <a:solidFill>
                     <a:srgbClr val="000000"/>
                   </a:solidFill>
@@ -4067,7 +4072,7 @@
             </a:ln>
             <a:extLst>
               <a:ext uri="{91240B29-F687-4f45-9708-019B960494DF}">
-                <a14:hiddenLine xmlns:a14="http://schemas.microsoft.com/office/drawing/2010/main" xmlns="" w="9525">
+                <a14:hiddenLine xmlns="" xmlns:a14="http://schemas.microsoft.com/office/drawing/2010/main" w="9525">
                   <a:solidFill>
                     <a:srgbClr val="000000"/>
                   </a:solidFill>
@@ -4157,7 +4162,7 @@
             </a:ln>
             <a:extLst>
               <a:ext uri="{91240B29-F687-4f45-9708-019B960494DF}">
-                <a14:hiddenLine xmlns:a14="http://schemas.microsoft.com/office/drawing/2010/main" xmlns="" w="9525">
+                <a14:hiddenLine xmlns="" xmlns:a14="http://schemas.microsoft.com/office/drawing/2010/main" w="9525">
                   <a:solidFill>
                     <a:srgbClr val="000000"/>
                   </a:solidFill>
@@ -4219,7 +4224,7 @@
             </a:ln>
             <a:extLst>
               <a:ext uri="{91240B29-F687-4f45-9708-019B960494DF}">
-                <a14:hiddenLine xmlns:a14="http://schemas.microsoft.com/office/drawing/2010/main" xmlns="" w="9525">
+                <a14:hiddenLine xmlns="" xmlns:a14="http://schemas.microsoft.com/office/drawing/2010/main" w="9525">
                   <a:solidFill>
                     <a:srgbClr val="000000"/>
                   </a:solidFill>
@@ -4281,7 +4286,7 @@
             </a:ln>
             <a:extLst>
               <a:ext uri="{91240B29-F687-4f45-9708-019B960494DF}">
-                <a14:hiddenLine xmlns:a14="http://schemas.microsoft.com/office/drawing/2010/main" xmlns="" w="9525">
+                <a14:hiddenLine xmlns="" xmlns:a14="http://schemas.microsoft.com/office/drawing/2010/main" w="9525">
                   <a:solidFill>
                     <a:srgbClr val="000000"/>
                   </a:solidFill>
@@ -4371,7 +4376,7 @@
             </a:ln>
             <a:extLst>
               <a:ext uri="{91240B29-F687-4f45-9708-019B960494DF}">
-                <a14:hiddenLine xmlns:a14="http://schemas.microsoft.com/office/drawing/2010/main" xmlns="" w="9525">
+                <a14:hiddenLine xmlns="" xmlns:a14="http://schemas.microsoft.com/office/drawing/2010/main" w="9525">
                   <a:solidFill>
                     <a:srgbClr val="000000"/>
                   </a:solidFill>
@@ -4461,7 +4466,7 @@
             </a:ln>
             <a:extLst>
               <a:ext uri="{91240B29-F687-4f45-9708-019B960494DF}">
-                <a14:hiddenLine xmlns:a14="http://schemas.microsoft.com/office/drawing/2010/main" xmlns="" w="9525">
+                <a14:hiddenLine xmlns="" xmlns:a14="http://schemas.microsoft.com/office/drawing/2010/main" w="9525">
                   <a:solidFill>
                     <a:srgbClr val="000000"/>
                   </a:solidFill>
@@ -4523,7 +4528,7 @@
             </a:ln>
             <a:extLst>
               <a:ext uri="{91240B29-F687-4f45-9708-019B960494DF}">
-                <a14:hiddenLine xmlns:a14="http://schemas.microsoft.com/office/drawing/2010/main" xmlns="" w="9525">
+                <a14:hiddenLine xmlns="" xmlns:a14="http://schemas.microsoft.com/office/drawing/2010/main" w="9525">
                   <a:solidFill>
                     <a:srgbClr val="000000"/>
                   </a:solidFill>
@@ -4633,7 +4638,7 @@
             </a:ln>
             <a:extLst>
               <a:ext uri="{91240B29-F687-4f45-9708-019B960494DF}">
-                <a14:hiddenLine xmlns:a14="http://schemas.microsoft.com/office/drawing/2010/main" xmlns="" w="9525">
+                <a14:hiddenLine xmlns="" xmlns:a14="http://schemas.microsoft.com/office/drawing/2010/main" w="9525">
                   <a:solidFill>
                     <a:srgbClr val="000000"/>
                   </a:solidFill>
@@ -4695,7 +4700,7 @@
             </a:ln>
             <a:extLst>
               <a:ext uri="{91240B29-F687-4f45-9708-019B960494DF}">
-                <a14:hiddenLine xmlns:a14="http://schemas.microsoft.com/office/drawing/2010/main" xmlns="" w="9525">
+                <a14:hiddenLine xmlns="" xmlns:a14="http://schemas.microsoft.com/office/drawing/2010/main" w="9525">
                   <a:solidFill>
                     <a:srgbClr val="000000"/>
                   </a:solidFill>
@@ -4785,7 +4790,7 @@
             </a:ln>
             <a:extLst>
               <a:ext uri="{91240B29-F687-4f45-9708-019B960494DF}">
-                <a14:hiddenLine xmlns:a14="http://schemas.microsoft.com/office/drawing/2010/main" xmlns="" w="9525">
+                <a14:hiddenLine xmlns="" xmlns:a14="http://schemas.microsoft.com/office/drawing/2010/main" w="9525">
                   <a:solidFill>
                     <a:srgbClr val="000000"/>
                   </a:solidFill>
@@ -4875,7 +4880,7 @@
             </a:ln>
             <a:extLst>
               <a:ext uri="{91240B29-F687-4f45-9708-019B960494DF}">
-                <a14:hiddenLine xmlns:a14="http://schemas.microsoft.com/office/drawing/2010/main" xmlns="" w="9525">
+                <a14:hiddenLine xmlns="" xmlns:a14="http://schemas.microsoft.com/office/drawing/2010/main" w="9525">
                   <a:solidFill>
                     <a:srgbClr val="000000"/>
                   </a:solidFill>
@@ -4937,7 +4942,7 @@
             </a:ln>
             <a:extLst>
               <a:ext uri="{91240B29-F687-4f45-9708-019B960494DF}">
-                <a14:hiddenLine xmlns:a14="http://schemas.microsoft.com/office/drawing/2010/main" xmlns="" w="9525">
+                <a14:hiddenLine xmlns="" xmlns:a14="http://schemas.microsoft.com/office/drawing/2010/main" w="9525">
                   <a:solidFill>
                     <a:srgbClr val="000000"/>
                   </a:solidFill>
@@ -5027,7 +5032,7 @@
             </a:ln>
             <a:extLst>
               <a:ext uri="{91240B29-F687-4f45-9708-019B960494DF}">
-                <a14:hiddenLine xmlns:a14="http://schemas.microsoft.com/office/drawing/2010/main" xmlns="" w="9525">
+                <a14:hiddenLine xmlns="" xmlns:a14="http://schemas.microsoft.com/office/drawing/2010/main" w="9525">
                   <a:solidFill>
                     <a:srgbClr val="000000"/>
                   </a:solidFill>
@@ -5117,7 +5122,7 @@
             </a:ln>
             <a:extLst>
               <a:ext uri="{91240B29-F687-4f45-9708-019B960494DF}">
-                <a14:hiddenLine xmlns:a14="http://schemas.microsoft.com/office/drawing/2010/main" xmlns="" w="9525">
+                <a14:hiddenLine xmlns="" xmlns:a14="http://schemas.microsoft.com/office/drawing/2010/main" w="9525">
                   <a:solidFill>
                     <a:srgbClr val="000000"/>
                   </a:solidFill>
@@ -5173,7 +5178,7 @@
             </a:ln>
             <a:extLst>
               <a:ext uri="{91240B29-F687-4f45-9708-019B960494DF}">
-                <a14:hiddenLine xmlns:a14="http://schemas.microsoft.com/office/drawing/2010/main" xmlns="" w="9525">
+                <a14:hiddenLine xmlns="" xmlns:a14="http://schemas.microsoft.com/office/drawing/2010/main" w="9525">
                   <a:solidFill>
                     <a:srgbClr val="000000"/>
                   </a:solidFill>
@@ -5263,7 +5268,7 @@
             </a:ln>
             <a:extLst>
               <a:ext uri="{91240B29-F687-4f45-9708-019B960494DF}">
-                <a14:hiddenLine xmlns:a14="http://schemas.microsoft.com/office/drawing/2010/main" xmlns="" w="9525">
+                <a14:hiddenLine xmlns="" xmlns:a14="http://schemas.microsoft.com/office/drawing/2010/main" w="9525">
                   <a:solidFill>
                     <a:srgbClr val="000000"/>
                   </a:solidFill>
@@ -5319,7 +5324,7 @@
             </a:ln>
             <a:extLst>
               <a:ext uri="{91240B29-F687-4f45-9708-019B960494DF}">
-                <a14:hiddenLine xmlns:a14="http://schemas.microsoft.com/office/drawing/2010/main" xmlns="" w="9525">
+                <a14:hiddenLine xmlns="" xmlns:a14="http://schemas.microsoft.com/office/drawing/2010/main" w="9525">
                   <a:solidFill>
                     <a:srgbClr val="000000"/>
                   </a:solidFill>
@@ -5409,7 +5414,7 @@
             </a:ln>
             <a:extLst>
               <a:ext uri="{91240B29-F687-4f45-9708-019B960494DF}">
-                <a14:hiddenLine xmlns:a14="http://schemas.microsoft.com/office/drawing/2010/main" xmlns="" w="9525">
+                <a14:hiddenLine xmlns="" xmlns:a14="http://schemas.microsoft.com/office/drawing/2010/main" w="9525">
                   <a:solidFill>
                     <a:srgbClr val="000000"/>
                   </a:solidFill>
@@ -5477,7 +5482,7 @@
             </a:ln>
             <a:extLst>
               <a:ext uri="{91240B29-F687-4f45-9708-019B960494DF}">
-                <a14:hiddenLine xmlns:a14="http://schemas.microsoft.com/office/drawing/2010/main" xmlns="" w="9525">
+                <a14:hiddenLine xmlns="" xmlns:a14="http://schemas.microsoft.com/office/drawing/2010/main" w="9525">
                   <a:solidFill>
                     <a:srgbClr val="000000"/>
                   </a:solidFill>
@@ -5567,7 +5572,7 @@
             </a:ln>
             <a:extLst>
               <a:ext uri="{91240B29-F687-4f45-9708-019B960494DF}">
-                <a14:hiddenLine xmlns:a14="http://schemas.microsoft.com/office/drawing/2010/main" xmlns="" w="9525">
+                <a14:hiddenLine xmlns="" xmlns:a14="http://schemas.microsoft.com/office/drawing/2010/main" w="9525">
                   <a:solidFill>
                     <a:srgbClr val="000000"/>
                   </a:solidFill>
@@ -5635,7 +5640,7 @@
             </a:ln>
             <a:extLst>
               <a:ext uri="{91240B29-F687-4f45-9708-019B960494DF}">
-                <a14:hiddenLine xmlns:a14="http://schemas.microsoft.com/office/drawing/2010/main" xmlns="" w="9525">
+                <a14:hiddenLine xmlns="" xmlns:a14="http://schemas.microsoft.com/office/drawing/2010/main" w="9525">
                   <a:solidFill>
                     <a:srgbClr val="000000"/>
                   </a:solidFill>
@@ -5725,7 +5730,7 @@
             </a:ln>
             <a:extLst>
               <a:ext uri="{91240B29-F687-4f45-9708-019B960494DF}">
-                <a14:hiddenLine xmlns:a14="http://schemas.microsoft.com/office/drawing/2010/main" xmlns="" w="9525">
+                <a14:hiddenLine xmlns="" xmlns:a14="http://schemas.microsoft.com/office/drawing/2010/main" w="9525">
                   <a:solidFill>
                     <a:srgbClr val="000000"/>
                   </a:solidFill>
@@ -5759,7 +5764,7 @@
             </a:ln>
             <a:extLst>
               <a:ext uri="{91240B29-F687-4f45-9708-019B960494DF}">
-                <a14:hiddenLine xmlns:a14="http://schemas.microsoft.com/office/drawing/2010/main" xmlns="" w="9525">
+                <a14:hiddenLine xmlns="" xmlns:a14="http://schemas.microsoft.com/office/drawing/2010/main" w="9525">
                   <a:solidFill>
                     <a:srgbClr val="000000"/>
                   </a:solidFill>
@@ -5849,7 +5854,7 @@
             </a:ln>
             <a:extLst>
               <a:ext uri="{91240B29-F687-4f45-9708-019B960494DF}">
-                <a14:hiddenLine xmlns:a14="http://schemas.microsoft.com/office/drawing/2010/main" xmlns="" w="9525">
+                <a14:hiddenLine xmlns="" xmlns:a14="http://schemas.microsoft.com/office/drawing/2010/main" w="9525">
                   <a:solidFill>
                     <a:srgbClr val="000000"/>
                   </a:solidFill>
@@ -5911,7 +5916,7 @@
             </a:ln>
             <a:extLst>
               <a:ext uri="{91240B29-F687-4f45-9708-019B960494DF}">
-                <a14:hiddenLine xmlns:a14="http://schemas.microsoft.com/office/drawing/2010/main" xmlns="" w="9525">
+                <a14:hiddenLine xmlns="" xmlns:a14="http://schemas.microsoft.com/office/drawing/2010/main" w="9525">
                   <a:solidFill>
                     <a:srgbClr val="000000"/>
                   </a:solidFill>
@@ -5973,7 +5978,7 @@
             </a:ln>
             <a:extLst>
               <a:ext uri="{91240B29-F687-4f45-9708-019B960494DF}">
-                <a14:hiddenLine xmlns:a14="http://schemas.microsoft.com/office/drawing/2010/main" xmlns="" w="9525">
+                <a14:hiddenLine xmlns="" xmlns:a14="http://schemas.microsoft.com/office/drawing/2010/main" w="9525">
                   <a:solidFill>
                     <a:srgbClr val="000000"/>
                   </a:solidFill>
@@ -6063,7 +6068,7 @@
             </a:ln>
             <a:extLst>
               <a:ext uri="{91240B29-F687-4f45-9708-019B960494DF}">
-                <a14:hiddenLine xmlns:a14="http://schemas.microsoft.com/office/drawing/2010/main" xmlns="" w="9525">
+                <a14:hiddenLine xmlns="" xmlns:a14="http://schemas.microsoft.com/office/drawing/2010/main" w="9525">
                   <a:solidFill>
                     <a:srgbClr val="000000"/>
                   </a:solidFill>
@@ -6131,7 +6136,7 @@
             </a:ln>
             <a:extLst>
               <a:ext uri="{91240B29-F687-4f45-9708-019B960494DF}">
-                <a14:hiddenLine xmlns:a14="http://schemas.microsoft.com/office/drawing/2010/main" xmlns="" w="9525">
+                <a14:hiddenLine xmlns="" xmlns:a14="http://schemas.microsoft.com/office/drawing/2010/main" w="9525">
                   <a:solidFill>
                     <a:srgbClr val="000000"/>
                   </a:solidFill>
@@ -6193,7 +6198,7 @@
             </a:ln>
             <a:extLst>
               <a:ext uri="{91240B29-F687-4f45-9708-019B960494DF}">
-                <a14:hiddenLine xmlns:a14="http://schemas.microsoft.com/office/drawing/2010/main" xmlns="" w="9525">
+                <a14:hiddenLine xmlns="" xmlns:a14="http://schemas.microsoft.com/office/drawing/2010/main" w="9525">
                   <a:solidFill>
                     <a:srgbClr val="000000"/>
                   </a:solidFill>
@@ -6283,7 +6288,7 @@
             </a:ln>
             <a:extLst>
               <a:ext uri="{91240B29-F687-4f45-9708-019B960494DF}">
-                <a14:hiddenLine xmlns:a14="http://schemas.microsoft.com/office/drawing/2010/main" xmlns="" w="9525">
+                <a14:hiddenLine xmlns="" xmlns:a14="http://schemas.microsoft.com/office/drawing/2010/main" w="9525">
                   <a:solidFill>
                     <a:srgbClr val="000000"/>
                   </a:solidFill>
@@ -6345,7 +6350,7 @@
             </a:ln>
             <a:extLst>
               <a:ext uri="{91240B29-F687-4f45-9708-019B960494DF}">
-                <a14:hiddenLine xmlns:a14="http://schemas.microsoft.com/office/drawing/2010/main" xmlns="" w="9525">
+                <a14:hiddenLine xmlns="" xmlns:a14="http://schemas.microsoft.com/office/drawing/2010/main" w="9525">
                   <a:solidFill>
                     <a:srgbClr val="000000"/>
                   </a:solidFill>
@@ -6435,7 +6440,7 @@
             </a:ln>
             <a:extLst>
               <a:ext uri="{91240B29-F687-4f45-9708-019B960494DF}">
-                <a14:hiddenLine xmlns:a14="http://schemas.microsoft.com/office/drawing/2010/main" xmlns="" w="9525">
+                <a14:hiddenLine xmlns="" xmlns:a14="http://schemas.microsoft.com/office/drawing/2010/main" w="9525">
                   <a:solidFill>
                     <a:srgbClr val="000000"/>
                   </a:solidFill>
@@ -6497,7 +6502,7 @@
             </a:ln>
             <a:extLst>
               <a:ext uri="{91240B29-F687-4f45-9708-019B960494DF}">
-                <a14:hiddenLine xmlns:a14="http://schemas.microsoft.com/office/drawing/2010/main" xmlns="" w="9525">
+                <a14:hiddenLine xmlns="" xmlns:a14="http://schemas.microsoft.com/office/drawing/2010/main" w="9525">
                   <a:solidFill>
                     <a:srgbClr val="000000"/>
                   </a:solidFill>
@@ -6587,7 +6592,7 @@
             </a:ln>
             <a:extLst>
               <a:ext uri="{91240B29-F687-4f45-9708-019B960494DF}">
-                <a14:hiddenLine xmlns:a14="http://schemas.microsoft.com/office/drawing/2010/main" xmlns="" w="9525">
+                <a14:hiddenLine xmlns="" xmlns:a14="http://schemas.microsoft.com/office/drawing/2010/main" w="9525">
                   <a:solidFill>
                     <a:srgbClr val="000000"/>
                   </a:solidFill>
@@ -6621,7 +6626,7 @@
             </a:ln>
             <a:extLst>
               <a:ext uri="{91240B29-F687-4f45-9708-019B960494DF}">
-                <a14:hiddenLine xmlns:a14="http://schemas.microsoft.com/office/drawing/2010/main" xmlns="" w="9525">
+                <a14:hiddenLine xmlns="" xmlns:a14="http://schemas.microsoft.com/office/drawing/2010/main" w="9525">
                   <a:solidFill>
                     <a:srgbClr val="000000"/>
                   </a:solidFill>
@@ -6686,7 +6691,7 @@
             </a:ln>
             <a:extLst>
               <a:ext uri="{91240B29-F687-4f45-9708-019B960494DF}">
-                <a14:hiddenLine xmlns:a14="http://schemas.microsoft.com/office/drawing/2010/main" xmlns="" w="9525">
+                <a14:hiddenLine xmlns="" xmlns:a14="http://schemas.microsoft.com/office/drawing/2010/main" w="9525">
                   <a:solidFill>
                     <a:srgbClr val="000000"/>
                   </a:solidFill>
@@ -6776,7 +6781,7 @@
             </a:ln>
             <a:extLst>
               <a:ext uri="{91240B29-F687-4f45-9708-019B960494DF}">
-                <a14:hiddenLine xmlns:a14="http://schemas.microsoft.com/office/drawing/2010/main" xmlns="" w="9525">
+                <a14:hiddenLine xmlns="" xmlns:a14="http://schemas.microsoft.com/office/drawing/2010/main" w="9525">
                   <a:solidFill>
                     <a:srgbClr val="000000"/>
                   </a:solidFill>
@@ -6838,7 +6843,7 @@
             </a:ln>
             <a:extLst>
               <a:ext uri="{91240B29-F687-4f45-9708-019B960494DF}">
-                <a14:hiddenLine xmlns:a14="http://schemas.microsoft.com/office/drawing/2010/main" xmlns="" w="9525">
+                <a14:hiddenLine xmlns="" xmlns:a14="http://schemas.microsoft.com/office/drawing/2010/main" w="9525">
                   <a:solidFill>
                     <a:srgbClr val="000000"/>
                   </a:solidFill>
@@ -6928,7 +6933,7 @@
             </a:ln>
             <a:extLst>
               <a:ext uri="{91240B29-F687-4f45-9708-019B960494DF}">
-                <a14:hiddenLine xmlns:a14="http://schemas.microsoft.com/office/drawing/2010/main" xmlns="" w="9525">
+                <a14:hiddenLine xmlns="" xmlns:a14="http://schemas.microsoft.com/office/drawing/2010/main" w="9525">
                   <a:solidFill>
                     <a:srgbClr val="000000"/>
                   </a:solidFill>
@@ -7018,7 +7023,7 @@
             </a:ln>
             <a:extLst>
               <a:ext uri="{91240B29-F687-4f45-9708-019B960494DF}">
-                <a14:hiddenLine xmlns:a14="http://schemas.microsoft.com/office/drawing/2010/main" xmlns="" w="9525">
+                <a14:hiddenLine xmlns="" xmlns:a14="http://schemas.microsoft.com/office/drawing/2010/main" w="9525">
                   <a:solidFill>
                     <a:srgbClr val="000000"/>
                   </a:solidFill>
@@ -7083,7 +7088,7 @@
             </a:ln>
             <a:extLst>
               <a:ext uri="{91240B29-F687-4f45-9708-019B960494DF}">
-                <a14:hiddenLine xmlns:a14="http://schemas.microsoft.com/office/drawing/2010/main" xmlns="" w="9525">
+                <a14:hiddenLine xmlns="" xmlns:a14="http://schemas.microsoft.com/office/drawing/2010/main" w="9525">
                   <a:solidFill>
                     <a:srgbClr val="000000"/>
                   </a:solidFill>
@@ -7145,7 +7150,7 @@
             </a:ln>
             <a:extLst>
               <a:ext uri="{91240B29-F687-4f45-9708-019B960494DF}">
-                <a14:hiddenLine xmlns:a14="http://schemas.microsoft.com/office/drawing/2010/main" xmlns="" w="9525">
+                <a14:hiddenLine xmlns="" xmlns:a14="http://schemas.microsoft.com/office/drawing/2010/main" w="9525">
                   <a:solidFill>
                     <a:srgbClr val="000000"/>
                   </a:solidFill>
@@ -7235,7 +7240,7 @@
             </a:ln>
             <a:extLst>
               <a:ext uri="{91240B29-F687-4f45-9708-019B960494DF}">
-                <a14:hiddenLine xmlns:a14="http://schemas.microsoft.com/office/drawing/2010/main" xmlns="" w="9525">
+                <a14:hiddenLine xmlns="" xmlns:a14="http://schemas.microsoft.com/office/drawing/2010/main" w="9525">
                   <a:solidFill>
                     <a:srgbClr val="000000"/>
                   </a:solidFill>
@@ -7325,7 +7330,7 @@
             </a:ln>
             <a:extLst>
               <a:ext uri="{91240B29-F687-4f45-9708-019B960494DF}">
-                <a14:hiddenLine xmlns:a14="http://schemas.microsoft.com/office/drawing/2010/main" xmlns="" w="9525">
+                <a14:hiddenLine xmlns="" xmlns:a14="http://schemas.microsoft.com/office/drawing/2010/main" w="9525">
                   <a:solidFill>
                     <a:srgbClr val="000000"/>
                   </a:solidFill>
@@ -7387,7 +7392,7 @@
             </a:ln>
             <a:extLst>
               <a:ext uri="{91240B29-F687-4f45-9708-019B960494DF}">
-                <a14:hiddenLine xmlns:a14="http://schemas.microsoft.com/office/drawing/2010/main" xmlns="" w="9525">
+                <a14:hiddenLine xmlns="" xmlns:a14="http://schemas.microsoft.com/office/drawing/2010/main" w="9525">
                   <a:solidFill>
                     <a:srgbClr val="000000"/>
                   </a:solidFill>
@@ -7507,7 +7512,7 @@
             </a:ln>
             <a:extLst>
               <a:ext uri="{91240B29-F687-4f45-9708-019B960494DF}">
-                <a14:hiddenLine xmlns:a14="http://schemas.microsoft.com/office/drawing/2010/main" xmlns="" w="9525">
+                <a14:hiddenLine xmlns="" xmlns:a14="http://schemas.microsoft.com/office/drawing/2010/main" w="9525">
                   <a:solidFill>
                     <a:srgbClr val="000000"/>
                   </a:solidFill>
@@ -7575,7 +7580,7 @@
             </a:ln>
             <a:extLst>
               <a:ext uri="{91240B29-F687-4f45-9708-019B960494DF}">
-                <a14:hiddenLine xmlns:a14="http://schemas.microsoft.com/office/drawing/2010/main" xmlns="" w="9525">
+                <a14:hiddenLine xmlns="" xmlns:a14="http://schemas.microsoft.com/office/drawing/2010/main" w="9525">
                   <a:solidFill>
                     <a:srgbClr val="000000"/>
                   </a:solidFill>
@@ -7665,7 +7670,7 @@
             </a:ln>
             <a:extLst>
               <a:ext uri="{91240B29-F687-4f45-9708-019B960494DF}">
-                <a14:hiddenLine xmlns:a14="http://schemas.microsoft.com/office/drawing/2010/main" xmlns="" w="9525">
+                <a14:hiddenLine xmlns="" xmlns:a14="http://schemas.microsoft.com/office/drawing/2010/main" w="9525">
                   <a:solidFill>
                     <a:srgbClr val="000000"/>
                   </a:solidFill>
@@ -12387,7 +12392,7 @@
           <a:noFill/>
           <a:extLst>
             <a:ext uri="{909E8E84-426E-40dd-AFC4-6F175D3DCCD1}">
-              <a14:hiddenFill xmlns:a14="http://schemas.microsoft.com/office/drawing/2010/main" xmlns="">
+              <a14:hiddenFill xmlns="" xmlns:a14="http://schemas.microsoft.com/office/drawing/2010/main">
                 <a:solidFill>
                   <a:srgbClr val="FFFFFF"/>
                 </a:solidFill>
@@ -12461,7 +12466,7 @@
               </a:ln>
               <a:extLst>
                 <a:ext uri="{91240B29-F687-4f45-9708-019B960494DF}">
-                  <a14:hiddenLine xmlns:a14="http://schemas.microsoft.com/office/drawing/2010/main" xmlns="" w="9525">
+                  <a14:hiddenLine xmlns="" xmlns:a14="http://schemas.microsoft.com/office/drawing/2010/main" w="9525">
                     <a:solidFill>
                       <a:srgbClr val="000000"/>
                     </a:solidFill>
@@ -12551,7 +12556,7 @@
               </a:ln>
               <a:extLst>
                 <a:ext uri="{91240B29-F687-4f45-9708-019B960494DF}">
-                  <a14:hiddenLine xmlns:a14="http://schemas.microsoft.com/office/drawing/2010/main" xmlns="" w="9525">
+                  <a14:hiddenLine xmlns="" xmlns:a14="http://schemas.microsoft.com/office/drawing/2010/main" w="9525">
                     <a:solidFill>
                       <a:srgbClr val="000000"/>
                     </a:solidFill>
@@ -12641,7 +12646,7 @@
               </a:ln>
               <a:extLst>
                 <a:ext uri="{91240B29-F687-4f45-9708-019B960494DF}">
-                  <a14:hiddenLine xmlns:a14="http://schemas.microsoft.com/office/drawing/2010/main" xmlns="" w="9525">
+                  <a14:hiddenLine xmlns="" xmlns:a14="http://schemas.microsoft.com/office/drawing/2010/main" w="9525">
                     <a:solidFill>
                       <a:srgbClr val="000000"/>
                     </a:solidFill>
@@ -12703,7 +12708,7 @@
               </a:ln>
               <a:extLst>
                 <a:ext uri="{91240B29-F687-4f45-9708-019B960494DF}">
-                  <a14:hiddenLine xmlns:a14="http://schemas.microsoft.com/office/drawing/2010/main" xmlns="" w="9525">
+                  <a14:hiddenLine xmlns="" xmlns:a14="http://schemas.microsoft.com/office/drawing/2010/main" w="9525">
                     <a:solidFill>
                       <a:srgbClr val="000000"/>
                     </a:solidFill>
@@ -12793,7 +12798,7 @@
               </a:ln>
               <a:extLst>
                 <a:ext uri="{91240B29-F687-4f45-9708-019B960494DF}">
-                  <a14:hiddenLine xmlns:a14="http://schemas.microsoft.com/office/drawing/2010/main" xmlns="" w="9525">
+                  <a14:hiddenLine xmlns="" xmlns:a14="http://schemas.microsoft.com/office/drawing/2010/main" w="9525">
                     <a:solidFill>
                       <a:srgbClr val="000000"/>
                     </a:solidFill>
@@ -12855,7 +12860,7 @@
               </a:ln>
               <a:extLst>
                 <a:ext uri="{91240B29-F687-4f45-9708-019B960494DF}">
-                  <a14:hiddenLine xmlns:a14="http://schemas.microsoft.com/office/drawing/2010/main" xmlns="" w="9525">
+                  <a14:hiddenLine xmlns="" xmlns:a14="http://schemas.microsoft.com/office/drawing/2010/main" w="9525">
                     <a:solidFill>
                       <a:srgbClr val="000000"/>
                     </a:solidFill>
@@ -12917,7 +12922,7 @@
               </a:ln>
               <a:extLst>
                 <a:ext uri="{91240B29-F687-4f45-9708-019B960494DF}">
-                  <a14:hiddenLine xmlns:a14="http://schemas.microsoft.com/office/drawing/2010/main" xmlns="" w="9525">
+                  <a14:hiddenLine xmlns="" xmlns:a14="http://schemas.microsoft.com/office/drawing/2010/main" w="9525">
                     <a:solidFill>
                       <a:srgbClr val="000000"/>
                     </a:solidFill>
@@ -13007,7 +13012,7 @@
               </a:ln>
               <a:extLst>
                 <a:ext uri="{91240B29-F687-4f45-9708-019B960494DF}">
-                  <a14:hiddenLine xmlns:a14="http://schemas.microsoft.com/office/drawing/2010/main" xmlns="" w="9525">
+                  <a14:hiddenLine xmlns="" xmlns:a14="http://schemas.microsoft.com/office/drawing/2010/main" w="9525">
                     <a:solidFill>
                       <a:srgbClr val="000000"/>
                     </a:solidFill>
@@ -13097,7 +13102,7 @@
               </a:ln>
               <a:extLst>
                 <a:ext uri="{91240B29-F687-4f45-9708-019B960494DF}">
-                  <a14:hiddenLine xmlns:a14="http://schemas.microsoft.com/office/drawing/2010/main" xmlns="" w="9525">
+                  <a14:hiddenLine xmlns="" xmlns:a14="http://schemas.microsoft.com/office/drawing/2010/main" w="9525">
                     <a:solidFill>
                       <a:srgbClr val="000000"/>
                     </a:solidFill>
@@ -13159,7 +13164,7 @@
               </a:ln>
               <a:extLst>
                 <a:ext uri="{91240B29-F687-4f45-9708-019B960494DF}">
-                  <a14:hiddenLine xmlns:a14="http://schemas.microsoft.com/office/drawing/2010/main" xmlns="" w="9525">
+                  <a14:hiddenLine xmlns="" xmlns:a14="http://schemas.microsoft.com/office/drawing/2010/main" w="9525">
                     <a:solidFill>
                       <a:srgbClr val="000000"/>
                     </a:solidFill>
@@ -13269,7 +13274,7 @@
               </a:ln>
               <a:extLst>
                 <a:ext uri="{91240B29-F687-4f45-9708-019B960494DF}">
-                  <a14:hiddenLine xmlns:a14="http://schemas.microsoft.com/office/drawing/2010/main" xmlns="" w="9525">
+                  <a14:hiddenLine xmlns="" xmlns:a14="http://schemas.microsoft.com/office/drawing/2010/main" w="9525">
                     <a:solidFill>
                       <a:srgbClr val="000000"/>
                     </a:solidFill>
@@ -13353,7 +13358,7 @@
               </a:ln>
               <a:extLst>
                 <a:ext uri="{91240B29-F687-4f45-9708-019B960494DF}">
-                  <a14:hiddenLine xmlns:a14="http://schemas.microsoft.com/office/drawing/2010/main" xmlns="" w="9525">
+                  <a14:hiddenLine xmlns="" xmlns:a14="http://schemas.microsoft.com/office/drawing/2010/main" w="9525">
                     <a:solidFill>
                       <a:srgbClr val="000000"/>
                     </a:solidFill>
@@ -13415,7 +13420,7 @@
               </a:ln>
               <a:extLst>
                 <a:ext uri="{91240B29-F687-4f45-9708-019B960494DF}">
-                  <a14:hiddenLine xmlns:a14="http://schemas.microsoft.com/office/drawing/2010/main" xmlns="" w="9525">
+                  <a14:hiddenLine xmlns="" xmlns:a14="http://schemas.microsoft.com/office/drawing/2010/main" w="9525">
                     <a:solidFill>
                       <a:srgbClr val="000000"/>
                     </a:solidFill>
@@ -13477,7 +13482,7 @@
               </a:ln>
               <a:extLst>
                 <a:ext uri="{91240B29-F687-4f45-9708-019B960494DF}">
-                  <a14:hiddenLine xmlns:a14="http://schemas.microsoft.com/office/drawing/2010/main" xmlns="" w="9525">
+                  <a14:hiddenLine xmlns="" xmlns:a14="http://schemas.microsoft.com/office/drawing/2010/main" w="9525">
                     <a:solidFill>
                       <a:srgbClr val="000000"/>
                     </a:solidFill>
@@ -13567,7 +13572,7 @@
               </a:ln>
               <a:extLst>
                 <a:ext uri="{91240B29-F687-4f45-9708-019B960494DF}">
-                  <a14:hiddenLine xmlns:a14="http://schemas.microsoft.com/office/drawing/2010/main" xmlns="" w="9525">
+                  <a14:hiddenLine xmlns="" xmlns:a14="http://schemas.microsoft.com/office/drawing/2010/main" w="9525">
                     <a:solidFill>
                       <a:srgbClr val="000000"/>
                     </a:solidFill>
@@ -13601,7 +13606,7 @@
               </a:ln>
               <a:extLst>
                 <a:ext uri="{91240B29-F687-4f45-9708-019B960494DF}">
-                  <a14:hiddenLine xmlns:a14="http://schemas.microsoft.com/office/drawing/2010/main" xmlns="" w="9525">
+                  <a14:hiddenLine xmlns="" xmlns:a14="http://schemas.microsoft.com/office/drawing/2010/main" w="9525">
                     <a:solidFill>
                       <a:srgbClr val="000000"/>
                     </a:solidFill>
@@ -13666,7 +13671,7 @@
               </a:ln>
               <a:extLst>
                 <a:ext uri="{91240B29-F687-4f45-9708-019B960494DF}">
-                  <a14:hiddenLine xmlns:a14="http://schemas.microsoft.com/office/drawing/2010/main" xmlns="" w="9525">
+                  <a14:hiddenLine xmlns="" xmlns:a14="http://schemas.microsoft.com/office/drawing/2010/main" w="9525">
                     <a:solidFill>
                       <a:srgbClr val="000000"/>
                     </a:solidFill>
@@ -13756,7 +13761,7 @@
               </a:ln>
               <a:extLst>
                 <a:ext uri="{91240B29-F687-4f45-9708-019B960494DF}">
-                  <a14:hiddenLine xmlns:a14="http://schemas.microsoft.com/office/drawing/2010/main" xmlns="" w="9525">
+                  <a14:hiddenLine xmlns="" xmlns:a14="http://schemas.microsoft.com/office/drawing/2010/main" w="9525">
                     <a:solidFill>
                       <a:srgbClr val="000000"/>
                     </a:solidFill>
@@ -13818,7 +13823,7 @@
               </a:ln>
               <a:extLst>
                 <a:ext uri="{91240B29-F687-4f45-9708-019B960494DF}">
-                  <a14:hiddenLine xmlns:a14="http://schemas.microsoft.com/office/drawing/2010/main" xmlns="" w="9525">
+                  <a14:hiddenLine xmlns="" xmlns:a14="http://schemas.microsoft.com/office/drawing/2010/main" w="9525">
                     <a:solidFill>
                       <a:srgbClr val="000000"/>
                     </a:solidFill>
@@ -13908,7 +13913,7 @@
               </a:ln>
               <a:extLst>
                 <a:ext uri="{91240B29-F687-4f45-9708-019B960494DF}">
-                  <a14:hiddenLine xmlns:a14="http://schemas.microsoft.com/office/drawing/2010/main" xmlns="" w="9525">
+                  <a14:hiddenLine xmlns="" xmlns:a14="http://schemas.microsoft.com/office/drawing/2010/main" w="9525">
                     <a:solidFill>
                       <a:srgbClr val="000000"/>
                     </a:solidFill>
@@ -13973,7 +13978,7 @@
               </a:ln>
               <a:extLst>
                 <a:ext uri="{91240B29-F687-4f45-9708-019B960494DF}">
-                  <a14:hiddenLine xmlns:a14="http://schemas.microsoft.com/office/drawing/2010/main" xmlns="" w="9525">
+                  <a14:hiddenLine xmlns="" xmlns:a14="http://schemas.microsoft.com/office/drawing/2010/main" w="9525">
                     <a:solidFill>
                       <a:srgbClr val="000000"/>
                     </a:solidFill>
@@ -14035,7 +14040,7 @@
               </a:ln>
               <a:extLst>
                 <a:ext uri="{91240B29-F687-4f45-9708-019B960494DF}">
-                  <a14:hiddenLine xmlns:a14="http://schemas.microsoft.com/office/drawing/2010/main" xmlns="" w="9525">
+                  <a14:hiddenLine xmlns="" xmlns:a14="http://schemas.microsoft.com/office/drawing/2010/main" w="9525">
                     <a:solidFill>
                       <a:srgbClr val="000000"/>
                     </a:solidFill>
@@ -14125,7 +14130,7 @@
               </a:ln>
               <a:extLst>
                 <a:ext uri="{91240B29-F687-4f45-9708-019B960494DF}">
-                  <a14:hiddenLine xmlns:a14="http://schemas.microsoft.com/office/drawing/2010/main" xmlns="" w="9525">
+                  <a14:hiddenLine xmlns="" xmlns:a14="http://schemas.microsoft.com/office/drawing/2010/main" w="9525">
                     <a:solidFill>
                       <a:srgbClr val="000000"/>
                     </a:solidFill>
@@ -14215,7 +14220,7 @@
               </a:ln>
               <a:extLst>
                 <a:ext uri="{91240B29-F687-4f45-9708-019B960494DF}">
-                  <a14:hiddenLine xmlns:a14="http://schemas.microsoft.com/office/drawing/2010/main" xmlns="" w="9525">
+                  <a14:hiddenLine xmlns="" xmlns:a14="http://schemas.microsoft.com/office/drawing/2010/main" w="9525">
                     <a:solidFill>
                       <a:srgbClr val="000000"/>
                     </a:solidFill>
@@ -14280,7 +14285,7 @@
               </a:ln>
               <a:extLst>
                 <a:ext uri="{91240B29-F687-4f45-9708-019B960494DF}">
-                  <a14:hiddenLine xmlns:a14="http://schemas.microsoft.com/office/drawing/2010/main" xmlns="" w="9525">
+                  <a14:hiddenLine xmlns="" xmlns:a14="http://schemas.microsoft.com/office/drawing/2010/main" w="9525">
                     <a:solidFill>
                       <a:srgbClr val="000000"/>
                     </a:solidFill>
@@ -14400,7 +14405,7 @@
               </a:ln>
               <a:extLst>
                 <a:ext uri="{91240B29-F687-4f45-9708-019B960494DF}">
-                  <a14:hiddenLine xmlns:a14="http://schemas.microsoft.com/office/drawing/2010/main" xmlns="" w="9525">
+                  <a14:hiddenLine xmlns="" xmlns:a14="http://schemas.microsoft.com/office/drawing/2010/main" w="9525">
                     <a:solidFill>
                       <a:srgbClr val="000000"/>
                     </a:solidFill>
@@ -14498,7 +14503,7 @@
               </a:ln>
               <a:extLst>
                 <a:ext uri="{91240B29-F687-4f45-9708-019B960494DF}">
-                  <a14:hiddenLine xmlns:a14="http://schemas.microsoft.com/office/drawing/2010/main" xmlns="" w="9525">
+                  <a14:hiddenLine xmlns="" xmlns:a14="http://schemas.microsoft.com/office/drawing/2010/main" w="9525">
                     <a:solidFill>
                       <a:srgbClr val="000000"/>
                     </a:solidFill>
@@ -14613,7 +14618,7 @@
               </a:ln>
               <a:extLst>
                 <a:ext uri="{91240B29-F687-4f45-9708-019B960494DF}">
-                  <a14:hiddenLine xmlns:a14="http://schemas.microsoft.com/office/drawing/2010/main" xmlns="" w="9525">
+                  <a14:hiddenLine xmlns="" xmlns:a14="http://schemas.microsoft.com/office/drawing/2010/main" w="9525">
                     <a:solidFill>
                       <a:srgbClr val="000000"/>
                     </a:solidFill>
@@ -14703,7 +14708,7 @@
               </a:ln>
               <a:extLst>
                 <a:ext uri="{91240B29-F687-4f45-9708-019B960494DF}">
-                  <a14:hiddenLine xmlns:a14="http://schemas.microsoft.com/office/drawing/2010/main" xmlns="" w="9525">
+                  <a14:hiddenLine xmlns="" xmlns:a14="http://schemas.microsoft.com/office/drawing/2010/main" w="9525">
                     <a:solidFill>
                       <a:srgbClr val="000000"/>
                     </a:solidFill>
@@ -14768,7 +14773,7 @@
               </a:ln>
               <a:extLst>
                 <a:ext uri="{91240B29-F687-4f45-9708-019B960494DF}">
-                  <a14:hiddenLine xmlns:a14="http://schemas.microsoft.com/office/drawing/2010/main" xmlns="" w="9525">
+                  <a14:hiddenLine xmlns="" xmlns:a14="http://schemas.microsoft.com/office/drawing/2010/main" w="9525">
                     <a:solidFill>
                       <a:srgbClr val="000000"/>
                     </a:solidFill>
@@ -14858,7 +14863,7 @@
               </a:ln>
               <a:extLst>
                 <a:ext uri="{91240B29-F687-4f45-9708-019B960494DF}">
-                  <a14:hiddenLine xmlns:a14="http://schemas.microsoft.com/office/drawing/2010/main" xmlns="" w="9525">
+                  <a14:hiddenLine xmlns="" xmlns:a14="http://schemas.microsoft.com/office/drawing/2010/main" w="9525">
                     <a:solidFill>
                       <a:srgbClr val="000000"/>
                     </a:solidFill>
@@ -14926,7 +14931,7 @@
               </a:ln>
               <a:extLst>
                 <a:ext uri="{91240B29-F687-4f45-9708-019B960494DF}">
-                  <a14:hiddenLine xmlns:a14="http://schemas.microsoft.com/office/drawing/2010/main" xmlns="" w="9525">
+                  <a14:hiddenLine xmlns="" xmlns:a14="http://schemas.microsoft.com/office/drawing/2010/main" w="9525">
                     <a:solidFill>
                       <a:srgbClr val="000000"/>
                     </a:solidFill>
@@ -15016,7 +15021,7 @@
               </a:ln>
               <a:extLst>
                 <a:ext uri="{91240B29-F687-4f45-9708-019B960494DF}">
-                  <a14:hiddenLine xmlns:a14="http://schemas.microsoft.com/office/drawing/2010/main" xmlns="" w="9525">
+                  <a14:hiddenLine xmlns="" xmlns:a14="http://schemas.microsoft.com/office/drawing/2010/main" w="9525">
                     <a:solidFill>
                       <a:srgbClr val="000000"/>
                     </a:solidFill>
@@ -15084,7 +15089,7 @@
               </a:ln>
               <a:extLst>
                 <a:ext uri="{91240B29-F687-4f45-9708-019B960494DF}">
-                  <a14:hiddenLine xmlns:a14="http://schemas.microsoft.com/office/drawing/2010/main" xmlns="" w="9525">
+                  <a14:hiddenLine xmlns="" xmlns:a14="http://schemas.microsoft.com/office/drawing/2010/main" w="9525">
                     <a:solidFill>
                       <a:srgbClr val="000000"/>
                     </a:solidFill>
@@ -15174,7 +15179,7 @@
               </a:ln>
               <a:extLst>
                 <a:ext uri="{91240B29-F687-4f45-9708-019B960494DF}">
-                  <a14:hiddenLine xmlns:a14="http://schemas.microsoft.com/office/drawing/2010/main" xmlns="" w="9525">
+                  <a14:hiddenLine xmlns="" xmlns:a14="http://schemas.microsoft.com/office/drawing/2010/main" w="9525">
                     <a:solidFill>
                       <a:srgbClr val="000000"/>
                     </a:solidFill>
@@ -15208,7 +15213,7 @@
               </a:ln>
               <a:extLst>
                 <a:ext uri="{91240B29-F687-4f45-9708-019B960494DF}">
-                  <a14:hiddenLine xmlns:a14="http://schemas.microsoft.com/office/drawing/2010/main" xmlns="" w="9525">
+                  <a14:hiddenLine xmlns="" xmlns:a14="http://schemas.microsoft.com/office/drawing/2010/main" w="9525">
                     <a:solidFill>
                       <a:srgbClr val="000000"/>
                     </a:solidFill>
@@ -16311,7 +16316,7 @@
             </a:ln>
             <a:extLst>
               <a:ext uri="{91240B29-F687-4f45-9708-019B960494DF}">
-                <a14:hiddenLine xmlns="" xmlns:a16="http://schemas.microsoft.com/office/drawing/2014/main" xmlns:p14="http://schemas.microsoft.com/office/powerpoint/2010/main" xmlns:dgm="http://schemas.openxmlformats.org/drawingml/2006/diagram" xmlns:a14="http://schemas.microsoft.com/office/drawing/2010/main" w="9525">
+                <a14:hiddenLine xmlns:a14="http://schemas.microsoft.com/office/drawing/2010/main" xmlns:dgm="http://schemas.openxmlformats.org/drawingml/2006/diagram" xmlns:p14="http://schemas.microsoft.com/office/powerpoint/2010/main" xmlns:a16="http://schemas.microsoft.com/office/drawing/2014/main" xmlns="" w="9525">
                   <a:solidFill>
                     <a:srgbClr val="000000"/>
                   </a:solidFill>
@@ -16416,7 +16421,7 @@
             </a:ln>
             <a:extLst>
               <a:ext uri="{91240B29-F687-4f45-9708-019B960494DF}">
-                <a14:hiddenLine xmlns="" xmlns:a16="http://schemas.microsoft.com/office/drawing/2014/main" xmlns:p14="http://schemas.microsoft.com/office/powerpoint/2010/main" xmlns:dgm="http://schemas.openxmlformats.org/drawingml/2006/diagram" xmlns:a14="http://schemas.microsoft.com/office/drawing/2010/main" w="9525">
+                <a14:hiddenLine xmlns:a14="http://schemas.microsoft.com/office/drawing/2010/main" xmlns:dgm="http://schemas.openxmlformats.org/drawingml/2006/diagram" xmlns:p14="http://schemas.microsoft.com/office/powerpoint/2010/main" xmlns:a16="http://schemas.microsoft.com/office/drawing/2014/main" xmlns="" w="9525">
                   <a:solidFill>
                     <a:srgbClr val="000000"/>
                   </a:solidFill>
@@ -16521,7 +16526,7 @@
             </a:ln>
             <a:extLst>
               <a:ext uri="{91240B29-F687-4f45-9708-019B960494DF}">
-                <a14:hiddenLine xmlns="" xmlns:a16="http://schemas.microsoft.com/office/drawing/2014/main" xmlns:p14="http://schemas.microsoft.com/office/powerpoint/2010/main" xmlns:dgm="http://schemas.openxmlformats.org/drawingml/2006/diagram" xmlns:a14="http://schemas.microsoft.com/office/drawing/2010/main" w="9525">
+                <a14:hiddenLine xmlns:a14="http://schemas.microsoft.com/office/drawing/2010/main" xmlns:dgm="http://schemas.openxmlformats.org/drawingml/2006/diagram" xmlns:p14="http://schemas.microsoft.com/office/powerpoint/2010/main" xmlns:a16="http://schemas.microsoft.com/office/drawing/2014/main" xmlns="" w="9525">
                   <a:solidFill>
                     <a:srgbClr val="000000"/>
                   </a:solidFill>
@@ -16598,7 +16603,7 @@
             </a:ln>
             <a:extLst>
               <a:ext uri="{91240B29-F687-4f45-9708-019B960494DF}">
-                <a14:hiddenLine xmlns="" xmlns:a16="http://schemas.microsoft.com/office/drawing/2014/main" xmlns:p14="http://schemas.microsoft.com/office/powerpoint/2010/main" xmlns:dgm="http://schemas.openxmlformats.org/drawingml/2006/diagram" xmlns:a14="http://schemas.microsoft.com/office/drawing/2010/main" w="9525">
+                <a14:hiddenLine xmlns:a14="http://schemas.microsoft.com/office/drawing/2010/main" xmlns:dgm="http://schemas.openxmlformats.org/drawingml/2006/diagram" xmlns:p14="http://schemas.microsoft.com/office/powerpoint/2010/main" xmlns:a16="http://schemas.microsoft.com/office/drawing/2014/main" xmlns="" w="9525">
                   <a:solidFill>
                     <a:srgbClr val="000000"/>
                   </a:solidFill>
@@ -16703,7 +16708,7 @@
             </a:ln>
             <a:extLst>
               <a:ext uri="{91240B29-F687-4f45-9708-019B960494DF}">
-                <a14:hiddenLine xmlns="" xmlns:a16="http://schemas.microsoft.com/office/drawing/2014/main" xmlns:p14="http://schemas.microsoft.com/office/powerpoint/2010/main" xmlns:dgm="http://schemas.openxmlformats.org/drawingml/2006/diagram" xmlns:a14="http://schemas.microsoft.com/office/drawing/2010/main" w="9525">
+                <a14:hiddenLine xmlns:a14="http://schemas.microsoft.com/office/drawing/2010/main" xmlns:dgm="http://schemas.openxmlformats.org/drawingml/2006/diagram" xmlns:p14="http://schemas.microsoft.com/office/powerpoint/2010/main" xmlns:a16="http://schemas.microsoft.com/office/drawing/2014/main" xmlns="" w="9525">
                   <a:solidFill>
                     <a:srgbClr val="000000"/>
                   </a:solidFill>
@@ -16780,7 +16785,7 @@
             </a:ln>
             <a:extLst>
               <a:ext uri="{91240B29-F687-4f45-9708-019B960494DF}">
-                <a14:hiddenLine xmlns="" xmlns:a16="http://schemas.microsoft.com/office/drawing/2014/main" xmlns:p14="http://schemas.microsoft.com/office/powerpoint/2010/main" xmlns:dgm="http://schemas.openxmlformats.org/drawingml/2006/diagram" xmlns:a14="http://schemas.microsoft.com/office/drawing/2010/main" w="9525">
+                <a14:hiddenLine xmlns:a14="http://schemas.microsoft.com/office/drawing/2010/main" xmlns:dgm="http://schemas.openxmlformats.org/drawingml/2006/diagram" xmlns:p14="http://schemas.microsoft.com/office/powerpoint/2010/main" xmlns:a16="http://schemas.microsoft.com/office/drawing/2014/main" xmlns="" w="9525">
                   <a:solidFill>
                     <a:srgbClr val="000000"/>
                   </a:solidFill>
@@ -16857,7 +16862,7 @@
             </a:ln>
             <a:extLst>
               <a:ext uri="{91240B29-F687-4f45-9708-019B960494DF}">
-                <a14:hiddenLine xmlns="" xmlns:a16="http://schemas.microsoft.com/office/drawing/2014/main" xmlns:p14="http://schemas.microsoft.com/office/powerpoint/2010/main" xmlns:dgm="http://schemas.openxmlformats.org/drawingml/2006/diagram" xmlns:a14="http://schemas.microsoft.com/office/drawing/2010/main" w="9525">
+                <a14:hiddenLine xmlns:a14="http://schemas.microsoft.com/office/drawing/2010/main" xmlns:dgm="http://schemas.openxmlformats.org/drawingml/2006/diagram" xmlns:p14="http://schemas.microsoft.com/office/powerpoint/2010/main" xmlns:a16="http://schemas.microsoft.com/office/drawing/2014/main" xmlns="" w="9525">
                   <a:solidFill>
                     <a:srgbClr val="000000"/>
                   </a:solidFill>
@@ -16962,7 +16967,7 @@
             </a:ln>
             <a:extLst>
               <a:ext uri="{91240B29-F687-4f45-9708-019B960494DF}">
-                <a14:hiddenLine xmlns="" xmlns:a16="http://schemas.microsoft.com/office/drawing/2014/main" xmlns:p14="http://schemas.microsoft.com/office/powerpoint/2010/main" xmlns:dgm="http://schemas.openxmlformats.org/drawingml/2006/diagram" xmlns:a14="http://schemas.microsoft.com/office/drawing/2010/main" w="9525">
+                <a14:hiddenLine xmlns:a14="http://schemas.microsoft.com/office/drawing/2010/main" xmlns:dgm="http://schemas.openxmlformats.org/drawingml/2006/diagram" xmlns:p14="http://schemas.microsoft.com/office/powerpoint/2010/main" xmlns:a16="http://schemas.microsoft.com/office/drawing/2014/main" xmlns="" w="9525">
                   <a:solidFill>
                     <a:srgbClr val="000000"/>
                   </a:solidFill>
@@ -17067,7 +17072,7 @@
             </a:ln>
             <a:extLst>
               <a:ext uri="{91240B29-F687-4f45-9708-019B960494DF}">
-                <a14:hiddenLine xmlns="" xmlns:a16="http://schemas.microsoft.com/office/drawing/2014/main" xmlns:p14="http://schemas.microsoft.com/office/powerpoint/2010/main" xmlns:dgm="http://schemas.openxmlformats.org/drawingml/2006/diagram" xmlns:a14="http://schemas.microsoft.com/office/drawing/2010/main" w="9525">
+                <a14:hiddenLine xmlns:a14="http://schemas.microsoft.com/office/drawing/2010/main" xmlns:dgm="http://schemas.openxmlformats.org/drawingml/2006/diagram" xmlns:p14="http://schemas.microsoft.com/office/powerpoint/2010/main" xmlns:a16="http://schemas.microsoft.com/office/drawing/2014/main" xmlns="" w="9525">
                   <a:solidFill>
                     <a:srgbClr val="000000"/>
                   </a:solidFill>
@@ -17144,7 +17149,7 @@
             </a:ln>
             <a:extLst>
               <a:ext uri="{91240B29-F687-4f45-9708-019B960494DF}">
-                <a14:hiddenLine xmlns="" xmlns:a16="http://schemas.microsoft.com/office/drawing/2014/main" xmlns:p14="http://schemas.microsoft.com/office/powerpoint/2010/main" xmlns:dgm="http://schemas.openxmlformats.org/drawingml/2006/diagram" xmlns:a14="http://schemas.microsoft.com/office/drawing/2010/main" w="9525">
+                <a14:hiddenLine xmlns:a14="http://schemas.microsoft.com/office/drawing/2010/main" xmlns:dgm="http://schemas.openxmlformats.org/drawingml/2006/diagram" xmlns:p14="http://schemas.microsoft.com/office/powerpoint/2010/main" xmlns:a16="http://schemas.microsoft.com/office/drawing/2014/main" xmlns="" w="9525">
                   <a:solidFill>
                     <a:srgbClr val="000000"/>
                   </a:solidFill>
@@ -17269,7 +17274,7 @@
             </a:ln>
             <a:extLst>
               <a:ext uri="{91240B29-F687-4f45-9708-019B960494DF}">
-                <a14:hiddenLine xmlns="" xmlns:a16="http://schemas.microsoft.com/office/drawing/2014/main" xmlns:p14="http://schemas.microsoft.com/office/powerpoint/2010/main" xmlns:dgm="http://schemas.openxmlformats.org/drawingml/2006/diagram" xmlns:a14="http://schemas.microsoft.com/office/drawing/2010/main" w="9525">
+                <a14:hiddenLine xmlns:a14="http://schemas.microsoft.com/office/drawing/2010/main" xmlns:dgm="http://schemas.openxmlformats.org/drawingml/2006/diagram" xmlns:p14="http://schemas.microsoft.com/office/powerpoint/2010/main" xmlns:a16="http://schemas.microsoft.com/office/drawing/2014/main" xmlns="" w="9525">
                   <a:solidFill>
                     <a:srgbClr val="000000"/>
                   </a:solidFill>
@@ -17383,7 +17388,7 @@
             </a:ln>
             <a:extLst>
               <a:ext uri="{91240B29-F687-4f45-9708-019B960494DF}">
-                <a14:hiddenLine xmlns="" xmlns:a16="http://schemas.microsoft.com/office/drawing/2014/main" xmlns:p14="http://schemas.microsoft.com/office/powerpoint/2010/main" xmlns:dgm="http://schemas.openxmlformats.org/drawingml/2006/diagram" xmlns:a14="http://schemas.microsoft.com/office/drawing/2010/main" w="9525">
+                <a14:hiddenLine xmlns:a14="http://schemas.microsoft.com/office/drawing/2010/main" xmlns:dgm="http://schemas.openxmlformats.org/drawingml/2006/diagram" xmlns:p14="http://schemas.microsoft.com/office/powerpoint/2010/main" xmlns:a16="http://schemas.microsoft.com/office/drawing/2014/main" xmlns="" w="9525">
                   <a:solidFill>
                     <a:srgbClr val="000000"/>
                   </a:solidFill>
@@ -17460,7 +17465,7 @@
             </a:ln>
             <a:extLst>
               <a:ext uri="{91240B29-F687-4f45-9708-019B960494DF}">
-                <a14:hiddenLine xmlns="" xmlns:a16="http://schemas.microsoft.com/office/drawing/2014/main" xmlns:p14="http://schemas.microsoft.com/office/powerpoint/2010/main" xmlns:dgm="http://schemas.openxmlformats.org/drawingml/2006/diagram" xmlns:a14="http://schemas.microsoft.com/office/drawing/2010/main" w="9525">
+                <a14:hiddenLine xmlns:a14="http://schemas.microsoft.com/office/drawing/2010/main" xmlns:dgm="http://schemas.openxmlformats.org/drawingml/2006/diagram" xmlns:p14="http://schemas.microsoft.com/office/powerpoint/2010/main" xmlns:a16="http://schemas.microsoft.com/office/drawing/2014/main" xmlns="" w="9525">
                   <a:solidFill>
                     <a:srgbClr val="000000"/>
                   </a:solidFill>
@@ -17537,7 +17542,7 @@
             </a:ln>
             <a:extLst>
               <a:ext uri="{91240B29-F687-4f45-9708-019B960494DF}">
-                <a14:hiddenLine xmlns="" xmlns:a16="http://schemas.microsoft.com/office/drawing/2014/main" xmlns:p14="http://schemas.microsoft.com/office/powerpoint/2010/main" xmlns:dgm="http://schemas.openxmlformats.org/drawingml/2006/diagram" xmlns:a14="http://schemas.microsoft.com/office/drawing/2010/main" w="9525">
+                <a14:hiddenLine xmlns:a14="http://schemas.microsoft.com/office/drawing/2010/main" xmlns:dgm="http://schemas.openxmlformats.org/drawingml/2006/diagram" xmlns:p14="http://schemas.microsoft.com/office/powerpoint/2010/main" xmlns:a16="http://schemas.microsoft.com/office/drawing/2014/main" xmlns="" w="9525">
                   <a:solidFill>
                     <a:srgbClr val="000000"/>
                   </a:solidFill>
@@ -17642,7 +17647,7 @@
             </a:ln>
             <a:extLst>
               <a:ext uri="{91240B29-F687-4f45-9708-019B960494DF}">
-                <a14:hiddenLine xmlns="" xmlns:a16="http://schemas.microsoft.com/office/drawing/2014/main" xmlns:p14="http://schemas.microsoft.com/office/powerpoint/2010/main" xmlns:dgm="http://schemas.openxmlformats.org/drawingml/2006/diagram" xmlns:a14="http://schemas.microsoft.com/office/drawing/2010/main" w="9525">
+                <a14:hiddenLine xmlns:a14="http://schemas.microsoft.com/office/drawing/2010/main" xmlns:dgm="http://schemas.openxmlformats.org/drawingml/2006/diagram" xmlns:p14="http://schemas.microsoft.com/office/powerpoint/2010/main" xmlns:a16="http://schemas.microsoft.com/office/drawing/2014/main" xmlns="" w="9525">
                   <a:solidFill>
                     <a:srgbClr val="000000"/>
                   </a:solidFill>
@@ -17691,7 +17696,7 @@
             </a:ln>
             <a:extLst>
               <a:ext uri="{91240B29-F687-4f45-9708-019B960494DF}">
-                <a14:hiddenLine xmlns="" xmlns:a16="http://schemas.microsoft.com/office/drawing/2014/main" xmlns:p14="http://schemas.microsoft.com/office/powerpoint/2010/main" xmlns:dgm="http://schemas.openxmlformats.org/drawingml/2006/diagram" xmlns:a14="http://schemas.microsoft.com/office/drawing/2010/main" w="9525">
+                <a14:hiddenLine xmlns:a14="http://schemas.microsoft.com/office/drawing/2010/main" xmlns:dgm="http://schemas.openxmlformats.org/drawingml/2006/diagram" xmlns:p14="http://schemas.microsoft.com/office/powerpoint/2010/main" xmlns:a16="http://schemas.microsoft.com/office/drawing/2014/main" xmlns="" w="9525">
                   <a:solidFill>
                     <a:srgbClr val="000000"/>
                   </a:solidFill>
@@ -17771,7 +17776,7 @@
             </a:ln>
             <a:extLst>
               <a:ext uri="{91240B29-F687-4f45-9708-019B960494DF}">
-                <a14:hiddenLine xmlns="" xmlns:a16="http://schemas.microsoft.com/office/drawing/2014/main" xmlns:p14="http://schemas.microsoft.com/office/powerpoint/2010/main" xmlns:dgm="http://schemas.openxmlformats.org/drawingml/2006/diagram" xmlns:a14="http://schemas.microsoft.com/office/drawing/2010/main" w="9525">
+                <a14:hiddenLine xmlns:a14="http://schemas.microsoft.com/office/drawing/2010/main" xmlns:dgm="http://schemas.openxmlformats.org/drawingml/2006/diagram" xmlns:p14="http://schemas.microsoft.com/office/powerpoint/2010/main" xmlns:a16="http://schemas.microsoft.com/office/drawing/2014/main" xmlns="" w="9525">
                   <a:solidFill>
                     <a:srgbClr val="000000"/>
                   </a:solidFill>
@@ -17876,7 +17881,7 @@
             </a:ln>
             <a:extLst>
               <a:ext uri="{91240B29-F687-4f45-9708-019B960494DF}">
-                <a14:hiddenLine xmlns="" xmlns:a16="http://schemas.microsoft.com/office/drawing/2014/main" xmlns:p14="http://schemas.microsoft.com/office/powerpoint/2010/main" xmlns:dgm="http://schemas.openxmlformats.org/drawingml/2006/diagram" xmlns:a14="http://schemas.microsoft.com/office/drawing/2010/main" w="9525">
+                <a14:hiddenLine xmlns:a14="http://schemas.microsoft.com/office/drawing/2010/main" xmlns:dgm="http://schemas.openxmlformats.org/drawingml/2006/diagram" xmlns:p14="http://schemas.microsoft.com/office/powerpoint/2010/main" xmlns:a16="http://schemas.microsoft.com/office/drawing/2014/main" xmlns="" w="9525">
                   <a:solidFill>
                     <a:srgbClr val="000000"/>
                   </a:solidFill>
@@ -17953,7 +17958,7 @@
             </a:ln>
             <a:extLst>
               <a:ext uri="{91240B29-F687-4f45-9708-019B960494DF}">
-                <a14:hiddenLine xmlns="" xmlns:a16="http://schemas.microsoft.com/office/drawing/2014/main" xmlns:p14="http://schemas.microsoft.com/office/powerpoint/2010/main" xmlns:dgm="http://schemas.openxmlformats.org/drawingml/2006/diagram" xmlns:a14="http://schemas.microsoft.com/office/drawing/2010/main" w="9525">
+                <a14:hiddenLine xmlns:a14="http://schemas.microsoft.com/office/drawing/2010/main" xmlns:dgm="http://schemas.openxmlformats.org/drawingml/2006/diagram" xmlns:p14="http://schemas.microsoft.com/office/powerpoint/2010/main" xmlns:a16="http://schemas.microsoft.com/office/drawing/2014/main" xmlns="" w="9525">
                   <a:solidFill>
                     <a:srgbClr val="000000"/>
                   </a:solidFill>
@@ -18058,7 +18063,7 @@
             </a:ln>
             <a:extLst>
               <a:ext uri="{91240B29-F687-4f45-9708-019B960494DF}">
-                <a14:hiddenLine xmlns="" xmlns:a16="http://schemas.microsoft.com/office/drawing/2014/main" xmlns:p14="http://schemas.microsoft.com/office/powerpoint/2010/main" xmlns:dgm="http://schemas.openxmlformats.org/drawingml/2006/diagram" xmlns:a14="http://schemas.microsoft.com/office/drawing/2010/main" w="9525">
+                <a14:hiddenLine xmlns:a14="http://schemas.microsoft.com/office/drawing/2010/main" xmlns:dgm="http://schemas.openxmlformats.org/drawingml/2006/diagram" xmlns:p14="http://schemas.microsoft.com/office/powerpoint/2010/main" xmlns:a16="http://schemas.microsoft.com/office/drawing/2014/main" xmlns="" w="9525">
                   <a:solidFill>
                     <a:srgbClr val="000000"/>
                   </a:solidFill>
@@ -18138,7 +18143,7 @@
             </a:ln>
             <a:extLst>
               <a:ext uri="{91240B29-F687-4f45-9708-019B960494DF}">
-                <a14:hiddenLine xmlns="" xmlns:a16="http://schemas.microsoft.com/office/drawing/2014/main" xmlns:p14="http://schemas.microsoft.com/office/powerpoint/2010/main" xmlns:dgm="http://schemas.openxmlformats.org/drawingml/2006/diagram" xmlns:a14="http://schemas.microsoft.com/office/drawing/2010/main" w="9525">
+                <a14:hiddenLine xmlns:a14="http://schemas.microsoft.com/office/drawing/2010/main" xmlns:dgm="http://schemas.openxmlformats.org/drawingml/2006/diagram" xmlns:p14="http://schemas.microsoft.com/office/powerpoint/2010/main" xmlns:a16="http://schemas.microsoft.com/office/drawing/2014/main" xmlns="" w="9525">
                   <a:solidFill>
                     <a:srgbClr val="000000"/>
                   </a:solidFill>
@@ -18215,7 +18220,7 @@
             </a:ln>
             <a:extLst>
               <a:ext uri="{91240B29-F687-4f45-9708-019B960494DF}">
-                <a14:hiddenLine xmlns="" xmlns:a16="http://schemas.microsoft.com/office/drawing/2014/main" xmlns:p14="http://schemas.microsoft.com/office/powerpoint/2010/main" xmlns:dgm="http://schemas.openxmlformats.org/drawingml/2006/diagram" xmlns:a14="http://schemas.microsoft.com/office/drawing/2010/main" w="9525">
+                <a14:hiddenLine xmlns:a14="http://schemas.microsoft.com/office/drawing/2010/main" xmlns:dgm="http://schemas.openxmlformats.org/drawingml/2006/diagram" xmlns:p14="http://schemas.microsoft.com/office/powerpoint/2010/main" xmlns:a16="http://schemas.microsoft.com/office/drawing/2014/main" xmlns="" w="9525">
                   <a:solidFill>
                     <a:srgbClr val="000000"/>
                   </a:solidFill>
@@ -18320,7 +18325,7 @@
             </a:ln>
             <a:extLst>
               <a:ext uri="{91240B29-F687-4f45-9708-019B960494DF}">
-                <a14:hiddenLine xmlns="" xmlns:a16="http://schemas.microsoft.com/office/drawing/2014/main" xmlns:p14="http://schemas.microsoft.com/office/powerpoint/2010/main" xmlns:dgm="http://schemas.openxmlformats.org/drawingml/2006/diagram" xmlns:a14="http://schemas.microsoft.com/office/drawing/2010/main" w="9525">
+                <a14:hiddenLine xmlns:a14="http://schemas.microsoft.com/office/drawing/2010/main" xmlns:dgm="http://schemas.openxmlformats.org/drawingml/2006/diagram" xmlns:p14="http://schemas.microsoft.com/office/powerpoint/2010/main" xmlns:a16="http://schemas.microsoft.com/office/drawing/2014/main" xmlns="" w="9525">
                   <a:solidFill>
                     <a:srgbClr val="000000"/>
                   </a:solidFill>
@@ -18425,7 +18430,7 @@
             </a:ln>
             <a:extLst>
               <a:ext uri="{91240B29-F687-4f45-9708-019B960494DF}">
-                <a14:hiddenLine xmlns="" xmlns:a16="http://schemas.microsoft.com/office/drawing/2014/main" xmlns:p14="http://schemas.microsoft.com/office/powerpoint/2010/main" xmlns:dgm="http://schemas.openxmlformats.org/drawingml/2006/diagram" xmlns:a14="http://schemas.microsoft.com/office/drawing/2010/main" w="9525">
+                <a14:hiddenLine xmlns:a14="http://schemas.microsoft.com/office/drawing/2010/main" xmlns:dgm="http://schemas.openxmlformats.org/drawingml/2006/diagram" xmlns:p14="http://schemas.microsoft.com/office/powerpoint/2010/main" xmlns:a16="http://schemas.microsoft.com/office/drawing/2014/main" xmlns="" w="9525">
                   <a:solidFill>
                     <a:srgbClr val="000000"/>
                   </a:solidFill>
@@ -18505,7 +18510,7 @@
             </a:ln>
             <a:extLst>
               <a:ext uri="{91240B29-F687-4f45-9708-019B960494DF}">
-                <a14:hiddenLine xmlns="" xmlns:a16="http://schemas.microsoft.com/office/drawing/2014/main" xmlns:p14="http://schemas.microsoft.com/office/powerpoint/2010/main" xmlns:dgm="http://schemas.openxmlformats.org/drawingml/2006/diagram" xmlns:a14="http://schemas.microsoft.com/office/drawing/2010/main" w="9525">
+                <a14:hiddenLine xmlns:a14="http://schemas.microsoft.com/office/drawing/2010/main" xmlns:dgm="http://schemas.openxmlformats.org/drawingml/2006/diagram" xmlns:p14="http://schemas.microsoft.com/office/powerpoint/2010/main" xmlns:a16="http://schemas.microsoft.com/office/drawing/2014/main" xmlns="" w="9525">
                   <a:solidFill>
                     <a:srgbClr val="000000"/>
                   </a:solidFill>
@@ -18640,7 +18645,7 @@
             </a:ln>
             <a:extLst>
               <a:ext uri="{91240B29-F687-4f45-9708-019B960494DF}">
-                <a14:hiddenLine xmlns="" xmlns:a16="http://schemas.microsoft.com/office/drawing/2014/main" xmlns:p14="http://schemas.microsoft.com/office/powerpoint/2010/main" xmlns:dgm="http://schemas.openxmlformats.org/drawingml/2006/diagram" xmlns:a14="http://schemas.microsoft.com/office/drawing/2010/main" w="9525">
+                <a14:hiddenLine xmlns:a14="http://schemas.microsoft.com/office/drawing/2010/main" xmlns:dgm="http://schemas.openxmlformats.org/drawingml/2006/diagram" xmlns:p14="http://schemas.microsoft.com/office/powerpoint/2010/main" xmlns:a16="http://schemas.microsoft.com/office/drawing/2014/main" xmlns="" w="9525">
                   <a:solidFill>
                     <a:srgbClr val="000000"/>
                   </a:solidFill>
@@ -18699,7 +18704,7 @@
           </a:prstGeom>
           <a:extLst>
             <a:ext uri="{909E8E84-426E-40dd-AFC4-6F175D3DCCD1}">
-              <a14:hiddenFill xmlns="" xmlns:a16="http://schemas.microsoft.com/office/drawing/2014/main" xmlns:p14="http://schemas.microsoft.com/office/powerpoint/2010/main" xmlns:dgm="http://schemas.openxmlformats.org/drawingml/2006/diagram" xmlns:a14="http://schemas.microsoft.com/office/drawing/2010/main">
+              <a14:hiddenFill xmlns:a14="http://schemas.microsoft.com/office/drawing/2010/main" xmlns:dgm="http://schemas.openxmlformats.org/drawingml/2006/diagram" xmlns:p14="http://schemas.microsoft.com/office/powerpoint/2010/main" xmlns:a16="http://schemas.microsoft.com/office/drawing/2014/main" xmlns="">
                 <a:solidFill>
                   <a:srgbClr val="FFFFFF"/>
                 </a:solidFill>
@@ -18858,7 +18863,7 @@
             </a:ln>
             <a:extLst>
               <a:ext uri="{91240B29-F687-4f45-9708-019B960494DF}">
-                <a14:hiddenLine xmlns="" xmlns:a16="http://schemas.microsoft.com/office/drawing/2014/main" xmlns:p14="http://schemas.microsoft.com/office/powerpoint/2010/main" xmlns:dgm="http://schemas.openxmlformats.org/drawingml/2006/diagram" xmlns:a14="http://schemas.microsoft.com/office/drawing/2010/main" w="9525">
+                <a14:hiddenLine xmlns:a14="http://schemas.microsoft.com/office/drawing/2010/main" xmlns:dgm="http://schemas.openxmlformats.org/drawingml/2006/diagram" xmlns:p14="http://schemas.microsoft.com/office/powerpoint/2010/main" xmlns:a16="http://schemas.microsoft.com/office/drawing/2014/main" xmlns="" w="9525">
                   <a:solidFill>
                     <a:srgbClr val="000000"/>
                   </a:solidFill>
@@ -18963,7 +18968,7 @@
             </a:ln>
             <a:extLst>
               <a:ext uri="{91240B29-F687-4f45-9708-019B960494DF}">
-                <a14:hiddenLine xmlns="" xmlns:a16="http://schemas.microsoft.com/office/drawing/2014/main" xmlns:p14="http://schemas.microsoft.com/office/powerpoint/2010/main" xmlns:dgm="http://schemas.openxmlformats.org/drawingml/2006/diagram" xmlns:a14="http://schemas.microsoft.com/office/drawing/2010/main" w="9525">
+                <a14:hiddenLine xmlns:a14="http://schemas.microsoft.com/office/drawing/2010/main" xmlns:dgm="http://schemas.openxmlformats.org/drawingml/2006/diagram" xmlns:p14="http://schemas.microsoft.com/office/powerpoint/2010/main" xmlns:a16="http://schemas.microsoft.com/office/drawing/2014/main" xmlns="" w="9525">
                   <a:solidFill>
                     <a:srgbClr val="000000"/>
                   </a:solidFill>
@@ -19068,7 +19073,7 @@
             </a:ln>
             <a:extLst>
               <a:ext uri="{91240B29-F687-4f45-9708-019B960494DF}">
-                <a14:hiddenLine xmlns="" xmlns:a16="http://schemas.microsoft.com/office/drawing/2014/main" xmlns:p14="http://schemas.microsoft.com/office/powerpoint/2010/main" xmlns:dgm="http://schemas.openxmlformats.org/drawingml/2006/diagram" xmlns:a14="http://schemas.microsoft.com/office/drawing/2010/main" w="9525">
+                <a14:hiddenLine xmlns:a14="http://schemas.microsoft.com/office/drawing/2010/main" xmlns:dgm="http://schemas.openxmlformats.org/drawingml/2006/diagram" xmlns:p14="http://schemas.microsoft.com/office/powerpoint/2010/main" xmlns:a16="http://schemas.microsoft.com/office/drawing/2014/main" xmlns="" w="9525">
                   <a:solidFill>
                     <a:srgbClr val="000000"/>
                   </a:solidFill>
@@ -19145,7 +19150,7 @@
             </a:ln>
             <a:extLst>
               <a:ext uri="{91240B29-F687-4f45-9708-019B960494DF}">
-                <a14:hiddenLine xmlns="" xmlns:a16="http://schemas.microsoft.com/office/drawing/2014/main" xmlns:p14="http://schemas.microsoft.com/office/powerpoint/2010/main" xmlns:dgm="http://schemas.openxmlformats.org/drawingml/2006/diagram" xmlns:a14="http://schemas.microsoft.com/office/drawing/2010/main" w="9525">
+                <a14:hiddenLine xmlns:a14="http://schemas.microsoft.com/office/drawing/2010/main" xmlns:dgm="http://schemas.openxmlformats.org/drawingml/2006/diagram" xmlns:p14="http://schemas.microsoft.com/office/powerpoint/2010/main" xmlns:a16="http://schemas.microsoft.com/office/drawing/2014/main" xmlns="" w="9525">
                   <a:solidFill>
                     <a:srgbClr val="000000"/>
                   </a:solidFill>
@@ -19250,7 +19255,7 @@
             </a:ln>
             <a:extLst>
               <a:ext uri="{91240B29-F687-4f45-9708-019B960494DF}">
-                <a14:hiddenLine xmlns="" xmlns:a16="http://schemas.microsoft.com/office/drawing/2014/main" xmlns:p14="http://schemas.microsoft.com/office/powerpoint/2010/main" xmlns:dgm="http://schemas.openxmlformats.org/drawingml/2006/diagram" xmlns:a14="http://schemas.microsoft.com/office/drawing/2010/main" w="9525">
+                <a14:hiddenLine xmlns:a14="http://schemas.microsoft.com/office/drawing/2010/main" xmlns:dgm="http://schemas.openxmlformats.org/drawingml/2006/diagram" xmlns:p14="http://schemas.microsoft.com/office/powerpoint/2010/main" xmlns:a16="http://schemas.microsoft.com/office/drawing/2014/main" xmlns="" w="9525">
                   <a:solidFill>
                     <a:srgbClr val="000000"/>
                   </a:solidFill>
@@ -19327,7 +19332,7 @@
             </a:ln>
             <a:extLst>
               <a:ext uri="{91240B29-F687-4f45-9708-019B960494DF}">
-                <a14:hiddenLine xmlns="" xmlns:a16="http://schemas.microsoft.com/office/drawing/2014/main" xmlns:p14="http://schemas.microsoft.com/office/powerpoint/2010/main" xmlns:dgm="http://schemas.openxmlformats.org/drawingml/2006/diagram" xmlns:a14="http://schemas.microsoft.com/office/drawing/2010/main" w="9525">
+                <a14:hiddenLine xmlns:a14="http://schemas.microsoft.com/office/drawing/2010/main" xmlns:dgm="http://schemas.openxmlformats.org/drawingml/2006/diagram" xmlns:p14="http://schemas.microsoft.com/office/powerpoint/2010/main" xmlns:a16="http://schemas.microsoft.com/office/drawing/2014/main" xmlns="" w="9525">
                   <a:solidFill>
                     <a:srgbClr val="000000"/>
                   </a:solidFill>
@@ -19404,7 +19409,7 @@
             </a:ln>
             <a:extLst>
               <a:ext uri="{91240B29-F687-4f45-9708-019B960494DF}">
-                <a14:hiddenLine xmlns="" xmlns:a16="http://schemas.microsoft.com/office/drawing/2014/main" xmlns:p14="http://schemas.microsoft.com/office/powerpoint/2010/main" xmlns:dgm="http://schemas.openxmlformats.org/drawingml/2006/diagram" xmlns:a14="http://schemas.microsoft.com/office/drawing/2010/main" w="9525">
+                <a14:hiddenLine xmlns:a14="http://schemas.microsoft.com/office/drawing/2010/main" xmlns:dgm="http://schemas.openxmlformats.org/drawingml/2006/diagram" xmlns:p14="http://schemas.microsoft.com/office/powerpoint/2010/main" xmlns:a16="http://schemas.microsoft.com/office/drawing/2014/main" xmlns="" w="9525">
                   <a:solidFill>
                     <a:srgbClr val="000000"/>
                   </a:solidFill>
@@ -19509,7 +19514,7 @@
             </a:ln>
             <a:extLst>
               <a:ext uri="{91240B29-F687-4f45-9708-019B960494DF}">
-                <a14:hiddenLine xmlns="" xmlns:a16="http://schemas.microsoft.com/office/drawing/2014/main" xmlns:p14="http://schemas.microsoft.com/office/powerpoint/2010/main" xmlns:dgm="http://schemas.openxmlformats.org/drawingml/2006/diagram" xmlns:a14="http://schemas.microsoft.com/office/drawing/2010/main" w="9525">
+                <a14:hiddenLine xmlns:a14="http://schemas.microsoft.com/office/drawing/2010/main" xmlns:dgm="http://schemas.openxmlformats.org/drawingml/2006/diagram" xmlns:p14="http://schemas.microsoft.com/office/powerpoint/2010/main" xmlns:a16="http://schemas.microsoft.com/office/drawing/2014/main" xmlns="" w="9525">
                   <a:solidFill>
                     <a:srgbClr val="000000"/>
                   </a:solidFill>
@@ -19614,7 +19619,7 @@
             </a:ln>
             <a:extLst>
               <a:ext uri="{91240B29-F687-4f45-9708-019B960494DF}">
-                <a14:hiddenLine xmlns="" xmlns:a16="http://schemas.microsoft.com/office/drawing/2014/main" xmlns:p14="http://schemas.microsoft.com/office/powerpoint/2010/main" xmlns:dgm="http://schemas.openxmlformats.org/drawingml/2006/diagram" xmlns:a14="http://schemas.microsoft.com/office/drawing/2010/main" w="9525">
+                <a14:hiddenLine xmlns:a14="http://schemas.microsoft.com/office/drawing/2010/main" xmlns:dgm="http://schemas.openxmlformats.org/drawingml/2006/diagram" xmlns:p14="http://schemas.microsoft.com/office/powerpoint/2010/main" xmlns:a16="http://schemas.microsoft.com/office/drawing/2014/main" xmlns="" w="9525">
                   <a:solidFill>
                     <a:srgbClr val="000000"/>
                   </a:solidFill>
@@ -19691,7 +19696,7 @@
             </a:ln>
             <a:extLst>
               <a:ext uri="{91240B29-F687-4f45-9708-019B960494DF}">
-                <a14:hiddenLine xmlns="" xmlns:a16="http://schemas.microsoft.com/office/drawing/2014/main" xmlns:p14="http://schemas.microsoft.com/office/powerpoint/2010/main" xmlns:dgm="http://schemas.openxmlformats.org/drawingml/2006/diagram" xmlns:a14="http://schemas.microsoft.com/office/drawing/2010/main" w="9525">
+                <a14:hiddenLine xmlns:a14="http://schemas.microsoft.com/office/drawing/2010/main" xmlns:dgm="http://schemas.openxmlformats.org/drawingml/2006/diagram" xmlns:p14="http://schemas.microsoft.com/office/powerpoint/2010/main" xmlns:a16="http://schemas.microsoft.com/office/drawing/2014/main" xmlns="" w="9525">
                   <a:solidFill>
                     <a:srgbClr val="000000"/>
                   </a:solidFill>
@@ -19816,7 +19821,7 @@
             </a:ln>
             <a:extLst>
               <a:ext uri="{91240B29-F687-4f45-9708-019B960494DF}">
-                <a14:hiddenLine xmlns="" xmlns:a16="http://schemas.microsoft.com/office/drawing/2014/main" xmlns:p14="http://schemas.microsoft.com/office/powerpoint/2010/main" xmlns:dgm="http://schemas.openxmlformats.org/drawingml/2006/diagram" xmlns:a14="http://schemas.microsoft.com/office/drawing/2010/main" w="9525">
+                <a14:hiddenLine xmlns:a14="http://schemas.microsoft.com/office/drawing/2010/main" xmlns:dgm="http://schemas.openxmlformats.org/drawingml/2006/diagram" xmlns:p14="http://schemas.microsoft.com/office/powerpoint/2010/main" xmlns:a16="http://schemas.microsoft.com/office/drawing/2014/main" xmlns="" w="9525">
                   <a:solidFill>
                     <a:srgbClr val="000000"/>
                   </a:solidFill>
@@ -19930,7 +19935,7 @@
             </a:ln>
             <a:extLst>
               <a:ext uri="{91240B29-F687-4f45-9708-019B960494DF}">
-                <a14:hiddenLine xmlns="" xmlns:a16="http://schemas.microsoft.com/office/drawing/2014/main" xmlns:p14="http://schemas.microsoft.com/office/powerpoint/2010/main" xmlns:dgm="http://schemas.openxmlformats.org/drawingml/2006/diagram" xmlns:a14="http://schemas.microsoft.com/office/drawing/2010/main" w="9525">
+                <a14:hiddenLine xmlns:a14="http://schemas.microsoft.com/office/drawing/2010/main" xmlns:dgm="http://schemas.openxmlformats.org/drawingml/2006/diagram" xmlns:p14="http://schemas.microsoft.com/office/powerpoint/2010/main" xmlns:a16="http://schemas.microsoft.com/office/drawing/2014/main" xmlns="" w="9525">
                   <a:solidFill>
                     <a:srgbClr val="000000"/>
                   </a:solidFill>
@@ -20007,7 +20012,7 @@
             </a:ln>
             <a:extLst>
               <a:ext uri="{91240B29-F687-4f45-9708-019B960494DF}">
-                <a14:hiddenLine xmlns="" xmlns:a16="http://schemas.microsoft.com/office/drawing/2014/main" xmlns:p14="http://schemas.microsoft.com/office/powerpoint/2010/main" xmlns:dgm="http://schemas.openxmlformats.org/drawingml/2006/diagram" xmlns:a14="http://schemas.microsoft.com/office/drawing/2010/main" w="9525">
+                <a14:hiddenLine xmlns:a14="http://schemas.microsoft.com/office/drawing/2010/main" xmlns:dgm="http://schemas.openxmlformats.org/drawingml/2006/diagram" xmlns:p14="http://schemas.microsoft.com/office/powerpoint/2010/main" xmlns:a16="http://schemas.microsoft.com/office/drawing/2014/main" xmlns="" w="9525">
                   <a:solidFill>
                     <a:srgbClr val="000000"/>
                   </a:solidFill>
@@ -20084,7 +20089,7 @@
             </a:ln>
             <a:extLst>
               <a:ext uri="{91240B29-F687-4f45-9708-019B960494DF}">
-                <a14:hiddenLine xmlns="" xmlns:a16="http://schemas.microsoft.com/office/drawing/2014/main" xmlns:p14="http://schemas.microsoft.com/office/powerpoint/2010/main" xmlns:dgm="http://schemas.openxmlformats.org/drawingml/2006/diagram" xmlns:a14="http://schemas.microsoft.com/office/drawing/2010/main" w="9525">
+                <a14:hiddenLine xmlns:a14="http://schemas.microsoft.com/office/drawing/2010/main" xmlns:dgm="http://schemas.openxmlformats.org/drawingml/2006/diagram" xmlns:p14="http://schemas.microsoft.com/office/powerpoint/2010/main" xmlns:a16="http://schemas.microsoft.com/office/drawing/2014/main" xmlns="" w="9525">
                   <a:solidFill>
                     <a:srgbClr val="000000"/>
                   </a:solidFill>
@@ -20189,7 +20194,7 @@
             </a:ln>
             <a:extLst>
               <a:ext uri="{91240B29-F687-4f45-9708-019B960494DF}">
-                <a14:hiddenLine xmlns="" xmlns:a16="http://schemas.microsoft.com/office/drawing/2014/main" xmlns:p14="http://schemas.microsoft.com/office/powerpoint/2010/main" xmlns:dgm="http://schemas.openxmlformats.org/drawingml/2006/diagram" xmlns:a14="http://schemas.microsoft.com/office/drawing/2010/main" w="9525">
+                <a14:hiddenLine xmlns:a14="http://schemas.microsoft.com/office/drawing/2010/main" xmlns:dgm="http://schemas.openxmlformats.org/drawingml/2006/diagram" xmlns:p14="http://schemas.microsoft.com/office/powerpoint/2010/main" xmlns:a16="http://schemas.microsoft.com/office/drawing/2014/main" xmlns="" w="9525">
                   <a:solidFill>
                     <a:srgbClr val="000000"/>
                   </a:solidFill>
@@ -20238,7 +20243,7 @@
             </a:ln>
             <a:extLst>
               <a:ext uri="{91240B29-F687-4f45-9708-019B960494DF}">
-                <a14:hiddenLine xmlns="" xmlns:a16="http://schemas.microsoft.com/office/drawing/2014/main" xmlns:p14="http://schemas.microsoft.com/office/powerpoint/2010/main" xmlns:dgm="http://schemas.openxmlformats.org/drawingml/2006/diagram" xmlns:a14="http://schemas.microsoft.com/office/drawing/2010/main" w="9525">
+                <a14:hiddenLine xmlns:a14="http://schemas.microsoft.com/office/drawing/2010/main" xmlns:dgm="http://schemas.openxmlformats.org/drawingml/2006/diagram" xmlns:p14="http://schemas.microsoft.com/office/powerpoint/2010/main" xmlns:a16="http://schemas.microsoft.com/office/drawing/2014/main" xmlns="" w="9525">
                   <a:solidFill>
                     <a:srgbClr val="000000"/>
                   </a:solidFill>
@@ -20318,7 +20323,7 @@
             </a:ln>
             <a:extLst>
               <a:ext uri="{91240B29-F687-4f45-9708-019B960494DF}">
-                <a14:hiddenLine xmlns="" xmlns:a16="http://schemas.microsoft.com/office/drawing/2014/main" xmlns:p14="http://schemas.microsoft.com/office/powerpoint/2010/main" xmlns:dgm="http://schemas.openxmlformats.org/drawingml/2006/diagram" xmlns:a14="http://schemas.microsoft.com/office/drawing/2010/main" w="9525">
+                <a14:hiddenLine xmlns:a14="http://schemas.microsoft.com/office/drawing/2010/main" xmlns:dgm="http://schemas.openxmlformats.org/drawingml/2006/diagram" xmlns:p14="http://schemas.microsoft.com/office/powerpoint/2010/main" xmlns:a16="http://schemas.microsoft.com/office/drawing/2014/main" xmlns="" w="9525">
                   <a:solidFill>
                     <a:srgbClr val="000000"/>
                   </a:solidFill>
@@ -20423,7 +20428,7 @@
             </a:ln>
             <a:extLst>
               <a:ext uri="{91240B29-F687-4f45-9708-019B960494DF}">
-                <a14:hiddenLine xmlns="" xmlns:a16="http://schemas.microsoft.com/office/drawing/2014/main" xmlns:p14="http://schemas.microsoft.com/office/powerpoint/2010/main" xmlns:dgm="http://schemas.openxmlformats.org/drawingml/2006/diagram" xmlns:a14="http://schemas.microsoft.com/office/drawing/2010/main" w="9525">
+                <a14:hiddenLine xmlns:a14="http://schemas.microsoft.com/office/drawing/2010/main" xmlns:dgm="http://schemas.openxmlformats.org/drawingml/2006/diagram" xmlns:p14="http://schemas.microsoft.com/office/powerpoint/2010/main" xmlns:a16="http://schemas.microsoft.com/office/drawing/2014/main" xmlns="" w="9525">
                   <a:solidFill>
                     <a:srgbClr val="000000"/>
                   </a:solidFill>
@@ -20500,7 +20505,7 @@
             </a:ln>
             <a:extLst>
               <a:ext uri="{91240B29-F687-4f45-9708-019B960494DF}">
-                <a14:hiddenLine xmlns="" xmlns:a16="http://schemas.microsoft.com/office/drawing/2014/main" xmlns:p14="http://schemas.microsoft.com/office/powerpoint/2010/main" xmlns:dgm="http://schemas.openxmlformats.org/drawingml/2006/diagram" xmlns:a14="http://schemas.microsoft.com/office/drawing/2010/main" w="9525">
+                <a14:hiddenLine xmlns:a14="http://schemas.microsoft.com/office/drawing/2010/main" xmlns:dgm="http://schemas.openxmlformats.org/drawingml/2006/diagram" xmlns:p14="http://schemas.microsoft.com/office/powerpoint/2010/main" xmlns:a16="http://schemas.microsoft.com/office/drawing/2014/main" xmlns="" w="9525">
                   <a:solidFill>
                     <a:srgbClr val="000000"/>
                   </a:solidFill>
@@ -20605,7 +20610,7 @@
             </a:ln>
             <a:extLst>
               <a:ext uri="{91240B29-F687-4f45-9708-019B960494DF}">
-                <a14:hiddenLine xmlns="" xmlns:a16="http://schemas.microsoft.com/office/drawing/2014/main" xmlns:p14="http://schemas.microsoft.com/office/powerpoint/2010/main" xmlns:dgm="http://schemas.openxmlformats.org/drawingml/2006/diagram" xmlns:a14="http://schemas.microsoft.com/office/drawing/2010/main" w="9525">
+                <a14:hiddenLine xmlns:a14="http://schemas.microsoft.com/office/drawing/2010/main" xmlns:dgm="http://schemas.openxmlformats.org/drawingml/2006/diagram" xmlns:p14="http://schemas.microsoft.com/office/powerpoint/2010/main" xmlns:a16="http://schemas.microsoft.com/office/drawing/2014/main" xmlns="" w="9525">
                   <a:solidFill>
                     <a:srgbClr val="000000"/>
                   </a:solidFill>
@@ -20685,7 +20690,7 @@
             </a:ln>
             <a:extLst>
               <a:ext uri="{91240B29-F687-4f45-9708-019B960494DF}">
-                <a14:hiddenLine xmlns="" xmlns:a16="http://schemas.microsoft.com/office/drawing/2014/main" xmlns:p14="http://schemas.microsoft.com/office/powerpoint/2010/main" xmlns:dgm="http://schemas.openxmlformats.org/drawingml/2006/diagram" xmlns:a14="http://schemas.microsoft.com/office/drawing/2010/main" w="9525">
+                <a14:hiddenLine xmlns:a14="http://schemas.microsoft.com/office/drawing/2010/main" xmlns:dgm="http://schemas.openxmlformats.org/drawingml/2006/diagram" xmlns:p14="http://schemas.microsoft.com/office/powerpoint/2010/main" xmlns:a16="http://schemas.microsoft.com/office/drawing/2014/main" xmlns="" w="9525">
                   <a:solidFill>
                     <a:srgbClr val="000000"/>
                   </a:solidFill>
@@ -20762,7 +20767,7 @@
             </a:ln>
             <a:extLst>
               <a:ext uri="{91240B29-F687-4f45-9708-019B960494DF}">
-                <a14:hiddenLine xmlns="" xmlns:a16="http://schemas.microsoft.com/office/drawing/2014/main" xmlns:p14="http://schemas.microsoft.com/office/powerpoint/2010/main" xmlns:dgm="http://schemas.openxmlformats.org/drawingml/2006/diagram" xmlns:a14="http://schemas.microsoft.com/office/drawing/2010/main" w="9525">
+                <a14:hiddenLine xmlns:a14="http://schemas.microsoft.com/office/drawing/2010/main" xmlns:dgm="http://schemas.openxmlformats.org/drawingml/2006/diagram" xmlns:p14="http://schemas.microsoft.com/office/powerpoint/2010/main" xmlns:a16="http://schemas.microsoft.com/office/drawing/2014/main" xmlns="" w="9525">
                   <a:solidFill>
                     <a:srgbClr val="000000"/>
                   </a:solidFill>
@@ -20867,7 +20872,7 @@
             </a:ln>
             <a:extLst>
               <a:ext uri="{91240B29-F687-4f45-9708-019B960494DF}">
-                <a14:hiddenLine xmlns="" xmlns:a16="http://schemas.microsoft.com/office/drawing/2014/main" xmlns:p14="http://schemas.microsoft.com/office/powerpoint/2010/main" xmlns:dgm="http://schemas.openxmlformats.org/drawingml/2006/diagram" xmlns:a14="http://schemas.microsoft.com/office/drawing/2010/main" w="9525">
+                <a14:hiddenLine xmlns:a14="http://schemas.microsoft.com/office/drawing/2010/main" xmlns:dgm="http://schemas.openxmlformats.org/drawingml/2006/diagram" xmlns:p14="http://schemas.microsoft.com/office/powerpoint/2010/main" xmlns:a16="http://schemas.microsoft.com/office/drawing/2014/main" xmlns="" w="9525">
                   <a:solidFill>
                     <a:srgbClr val="000000"/>
                   </a:solidFill>
@@ -20972,7 +20977,7 @@
             </a:ln>
             <a:extLst>
               <a:ext uri="{91240B29-F687-4f45-9708-019B960494DF}">
-                <a14:hiddenLine xmlns="" xmlns:a16="http://schemas.microsoft.com/office/drawing/2014/main" xmlns:p14="http://schemas.microsoft.com/office/powerpoint/2010/main" xmlns:dgm="http://schemas.openxmlformats.org/drawingml/2006/diagram" xmlns:a14="http://schemas.microsoft.com/office/drawing/2010/main" w="9525">
+                <a14:hiddenLine xmlns:a14="http://schemas.microsoft.com/office/drawing/2010/main" xmlns:dgm="http://schemas.openxmlformats.org/drawingml/2006/diagram" xmlns:p14="http://schemas.microsoft.com/office/powerpoint/2010/main" xmlns:a16="http://schemas.microsoft.com/office/drawing/2014/main" xmlns="" w="9525">
                   <a:solidFill>
                     <a:srgbClr val="000000"/>
                   </a:solidFill>
@@ -21052,7 +21057,7 @@
             </a:ln>
             <a:extLst>
               <a:ext uri="{91240B29-F687-4f45-9708-019B960494DF}">
-                <a14:hiddenLine xmlns="" xmlns:a16="http://schemas.microsoft.com/office/drawing/2014/main" xmlns:p14="http://schemas.microsoft.com/office/powerpoint/2010/main" xmlns:dgm="http://schemas.openxmlformats.org/drawingml/2006/diagram" xmlns:a14="http://schemas.microsoft.com/office/drawing/2010/main" w="9525">
+                <a14:hiddenLine xmlns:a14="http://schemas.microsoft.com/office/drawing/2010/main" xmlns:dgm="http://schemas.openxmlformats.org/drawingml/2006/diagram" xmlns:p14="http://schemas.microsoft.com/office/powerpoint/2010/main" xmlns:a16="http://schemas.microsoft.com/office/drawing/2014/main" xmlns="" w="9525">
                   <a:solidFill>
                     <a:srgbClr val="000000"/>
                   </a:solidFill>
@@ -21187,7 +21192,7 @@
             </a:ln>
             <a:extLst>
               <a:ext uri="{91240B29-F687-4f45-9708-019B960494DF}">
-                <a14:hiddenLine xmlns="" xmlns:a16="http://schemas.microsoft.com/office/drawing/2014/main" xmlns:p14="http://schemas.microsoft.com/office/powerpoint/2010/main" xmlns:dgm="http://schemas.openxmlformats.org/drawingml/2006/diagram" xmlns:a14="http://schemas.microsoft.com/office/drawing/2010/main" w="9525">
+                <a14:hiddenLine xmlns:a14="http://schemas.microsoft.com/office/drawing/2010/main" xmlns:dgm="http://schemas.openxmlformats.org/drawingml/2006/diagram" xmlns:p14="http://schemas.microsoft.com/office/powerpoint/2010/main" xmlns:a16="http://schemas.microsoft.com/office/drawing/2014/main" xmlns="" w="9525">
                   <a:solidFill>
                     <a:srgbClr val="000000"/>
                   </a:solidFill>
@@ -21248,7 +21253,7 @@
           <a:noFill/>
           <a:extLst>
             <a:ext uri="{909E8E84-426E-40dd-AFC4-6F175D3DCCD1}">
-              <a14:hiddenFill xmlns="" xmlns:a16="http://schemas.microsoft.com/office/drawing/2014/main" xmlns:p14="http://schemas.microsoft.com/office/powerpoint/2010/main" xmlns:dgm="http://schemas.openxmlformats.org/drawingml/2006/diagram" xmlns:a14="http://schemas.microsoft.com/office/drawing/2010/main">
+              <a14:hiddenFill xmlns:a14="http://schemas.microsoft.com/office/drawing/2010/main" xmlns:dgm="http://schemas.openxmlformats.org/drawingml/2006/diagram" xmlns:p14="http://schemas.microsoft.com/office/powerpoint/2010/main" xmlns:a16="http://schemas.microsoft.com/office/drawing/2014/main" xmlns="">
                 <a:solidFill>
                   <a:srgbClr val="FFFFFF"/>
                 </a:solidFill>
